--- a/presentation.pptx
+++ b/presentation.pptx
@@ -23,8 +23,12 @@
     <p:sldId id="263" r:id="rId17"/>
     <p:sldId id="275" r:id="rId18"/>
     <p:sldId id="264" r:id="rId19"/>
-    <p:sldId id="265" r:id="rId20"/>
-    <p:sldId id="266" r:id="rId21"/>
+    <p:sldId id="276" r:id="rId20"/>
+    <p:sldId id="277" r:id="rId21"/>
+    <p:sldId id="265" r:id="rId22"/>
+    <p:sldId id="266" r:id="rId23"/>
+    <p:sldId id="278" r:id="rId24"/>
+    <p:sldId id="279" r:id="rId25"/>
   </p:sldIdLst>
   <p:sldSz cx="9144000" cy="6858000" type="screen4x3"/>
   <p:notesSz cx="6858000" cy="9144000"/>
@@ -2662,7 +2666,7 @@
           </a:prstGeom>
         </p:spPr>
         <p:txBody>
-          <a:bodyPr vert="horz" lIns="91440" tIns="45720" rIns="91440" bIns="45720" rtlCol="0" anchor="ctr">
+          <a:bodyPr vert="horz" lIns="91440" tIns="45720" rIns="91440" bIns="45720" rtlCol="0" anchor="t">
             <a:normAutofit/>
           </a:bodyPr>
           <a:lstStyle/>
@@ -3304,25 +3308,300 @@
           </a:p>
         </p:txBody>
       </p:sp>
-      <p:sp>
-        <p:nvSpPr>
-          <p:cNvPr id="5" name="Content Placeholder 4"/>
-          <p:cNvSpPr>
-            <a:spLocks noGrp="1"/>
-          </p:cNvSpPr>
+      <p:graphicFrame>
+        <p:nvGraphicFramePr>
+          <p:cNvPr id="3" name="Content Placeholder 2"/>
+          <p:cNvGraphicFramePr>
+            <a:graphicFrameLocks noGrp="1"/>
+          </p:cNvGraphicFramePr>
           <p:nvPr>
             <p:ph sz="half" idx="2"/>
-          </p:nvPr>
-        </p:nvSpPr>
-        <p:spPr/>
-        <p:txBody>
-          <a:bodyPr/>
-          <a:lstStyle/>
-          <a:p>
-            <a:endParaRPr lang="en-US" dirty="0" smtClean="0"/>
-          </a:p>
-        </p:txBody>
-      </p:sp>
+            <p:extLst>
+              <p:ext uri="{D42A27DB-BD31-4B8C-83A1-F6EECF244321}">
+                <p14:modId xmlns:p14="http://schemas.microsoft.com/office/powerpoint/2010/main" val="2768406504"/>
+              </p:ext>
+            </p:extLst>
+          </p:nvPr>
+        </p:nvGraphicFramePr>
+        <p:xfrm>
+          <a:off x="4648200" y="2509635"/>
+          <a:ext cx="4038600" cy="2966720"/>
+        </p:xfrm>
+        <a:graphic>
+          <a:graphicData uri="http://schemas.openxmlformats.org/drawingml/2006/table">
+            <a:tbl>
+              <a:tblPr firstRow="1" bandRow="1">
+                <a:tableStyleId>{8EC20E35-A176-4012-BC5E-935CFFF8708E}</a:tableStyleId>
+              </a:tblPr>
+              <a:tblGrid>
+                <a:gridCol w="2218619"/>
+                <a:gridCol w="1819981"/>
+              </a:tblGrid>
+              <a:tr h="370840">
+                <a:tc gridSpan="2">
+                  <a:txBody>
+                    <a:bodyPr/>
+                    <a:lstStyle/>
+                    <a:p>
+                      <a:pPr algn="ctr"/>
+                      <a:r>
+                        <a:rPr lang="en-US" dirty="0" smtClean="0"/>
+                        <a:t>WINDOW</a:t>
+                      </a:r>
+                      <a:endParaRPr lang="en-US" dirty="0"/>
+                    </a:p>
+                  </a:txBody>
+                  <a:tcPr/>
+                </a:tc>
+                <a:tc hMerge="1">
+                  <a:txBody>
+                    <a:bodyPr/>
+                    <a:lstStyle/>
+                    <a:p>
+                      <a:endParaRPr lang="en-US" dirty="0"/>
+                    </a:p>
+                  </a:txBody>
+                  <a:tcPr/>
+                </a:tc>
+              </a:tr>
+              <a:tr h="370840">
+                <a:tc>
+                  <a:txBody>
+                    <a:bodyPr/>
+                    <a:lstStyle/>
+                    <a:p>
+                      <a:r>
+                        <a:rPr lang="en-US" dirty="0" err="1" smtClean="0"/>
+                        <a:t>Halfedge</a:t>
+                      </a:r>
+                      <a:r>
+                        <a:rPr lang="en-US" dirty="0" smtClean="0"/>
+                        <a:t>&lt;Point_3&gt;</a:t>
+                      </a:r>
+                      <a:endParaRPr lang="en-US" dirty="0"/>
+                    </a:p>
+                  </a:txBody>
+                  <a:tcPr/>
+                </a:tc>
+                <a:tc>
+                  <a:txBody>
+                    <a:bodyPr/>
+                    <a:lstStyle/>
+                    <a:p>
+                      <a:r>
+                        <a:rPr lang="en-US" dirty="0" smtClean="0"/>
+                        <a:t>edge</a:t>
+                      </a:r>
+                      <a:endParaRPr lang="en-US" dirty="0"/>
+                    </a:p>
+                  </a:txBody>
+                  <a:tcPr/>
+                </a:tc>
+              </a:tr>
+              <a:tr h="370840">
+                <a:tc>
+                  <a:txBody>
+                    <a:bodyPr/>
+                    <a:lstStyle/>
+                    <a:p>
+                      <a:r>
+                        <a:rPr lang="en-US" dirty="0" smtClean="0"/>
+                        <a:t>Double</a:t>
+                      </a:r>
+                      <a:endParaRPr lang="en-US" dirty="0"/>
+                    </a:p>
+                  </a:txBody>
+                  <a:tcPr/>
+                </a:tc>
+                <a:tc>
+                  <a:txBody>
+                    <a:bodyPr/>
+                    <a:lstStyle/>
+                    <a:p>
+                      <a:r>
+                        <a:rPr lang="en-US" dirty="0" smtClean="0"/>
+                        <a:t>B</a:t>
+                      </a:r>
+                      <a:r>
+                        <a:rPr lang="en-US" dirty="0" smtClean="0"/>
+                        <a:t>0</a:t>
+                      </a:r>
+                      <a:endParaRPr lang="en-US" dirty="0"/>
+                    </a:p>
+                  </a:txBody>
+                  <a:tcPr/>
+                </a:tc>
+              </a:tr>
+              <a:tr h="370840">
+                <a:tc>
+                  <a:txBody>
+                    <a:bodyPr/>
+                    <a:lstStyle/>
+                    <a:p>
+                      <a:r>
+                        <a:rPr lang="en-US" dirty="0" smtClean="0"/>
+                        <a:t>Double</a:t>
+                      </a:r>
+                      <a:endParaRPr lang="en-US" dirty="0"/>
+                    </a:p>
+                  </a:txBody>
+                  <a:tcPr/>
+                </a:tc>
+                <a:tc>
+                  <a:txBody>
+                    <a:bodyPr/>
+                    <a:lstStyle/>
+                    <a:p>
+                      <a:r>
+                        <a:rPr lang="en-US" dirty="0" smtClean="0"/>
+                        <a:t>B</a:t>
+                      </a:r>
+                      <a:r>
+                        <a:rPr lang="en-US" dirty="0" smtClean="0"/>
+                        <a:t>1</a:t>
+                      </a:r>
+                      <a:endParaRPr lang="en-US" dirty="0"/>
+                    </a:p>
+                  </a:txBody>
+                  <a:tcPr/>
+                </a:tc>
+              </a:tr>
+              <a:tr h="370840">
+                <a:tc>
+                  <a:txBody>
+                    <a:bodyPr/>
+                    <a:lstStyle/>
+                    <a:p>
+                      <a:r>
+                        <a:rPr lang="en-US" dirty="0" smtClean="0"/>
+                        <a:t>Double</a:t>
+                      </a:r>
+                      <a:endParaRPr lang="en-US" dirty="0"/>
+                    </a:p>
+                  </a:txBody>
+                  <a:tcPr/>
+                </a:tc>
+                <a:tc>
+                  <a:txBody>
+                    <a:bodyPr/>
+                    <a:lstStyle/>
+                    <a:p>
+                      <a:r>
+                        <a:rPr lang="en-US" dirty="0" smtClean="0"/>
+                        <a:t>D0</a:t>
+                      </a:r>
+                      <a:endParaRPr lang="en-US" dirty="0"/>
+                    </a:p>
+                  </a:txBody>
+                  <a:tcPr/>
+                </a:tc>
+              </a:tr>
+              <a:tr h="370840">
+                <a:tc>
+                  <a:txBody>
+                    <a:bodyPr/>
+                    <a:lstStyle/>
+                    <a:p>
+                      <a:r>
+                        <a:rPr lang="en-US" dirty="0" smtClean="0"/>
+                        <a:t>Double</a:t>
+                      </a:r>
+                      <a:endParaRPr lang="en-US" dirty="0"/>
+                    </a:p>
+                  </a:txBody>
+                  <a:tcPr/>
+                </a:tc>
+                <a:tc>
+                  <a:txBody>
+                    <a:bodyPr/>
+                    <a:lstStyle/>
+                    <a:p>
+                      <a:r>
+                        <a:rPr lang="en-US" dirty="0" smtClean="0"/>
+                        <a:t>D1</a:t>
+                      </a:r>
+                      <a:endParaRPr lang="en-US" dirty="0"/>
+                    </a:p>
+                  </a:txBody>
+                  <a:tcPr/>
+                </a:tc>
+              </a:tr>
+              <a:tr h="370840">
+                <a:tc>
+                  <a:txBody>
+                    <a:bodyPr/>
+                    <a:lstStyle/>
+                    <a:p>
+                      <a:r>
+                        <a:rPr lang="en-US" dirty="0" err="1" smtClean="0"/>
+                        <a:t>I</a:t>
+                      </a:r>
+                      <a:r>
+                        <a:rPr lang="en-US" dirty="0" err="1" smtClean="0"/>
+                        <a:t>nt</a:t>
+                      </a:r>
+                      <a:endParaRPr lang="en-US" dirty="0"/>
+                    </a:p>
+                  </a:txBody>
+                  <a:tcPr/>
+                </a:tc>
+                <a:tc>
+                  <a:txBody>
+                    <a:bodyPr/>
+                    <a:lstStyle/>
+                    <a:p>
+                      <a:r>
+                        <a:rPr lang="en-US" dirty="0" smtClean="0"/>
+                        <a:t>T</a:t>
+                      </a:r>
+                      <a:r>
+                        <a:rPr lang="en-US" dirty="0" smtClean="0"/>
+                        <a:t>au</a:t>
+                      </a:r>
+                      <a:endParaRPr lang="en-US" dirty="0"/>
+                    </a:p>
+                  </a:txBody>
+                  <a:tcPr/>
+                </a:tc>
+              </a:tr>
+              <a:tr h="370840">
+                <a:tc>
+                  <a:txBody>
+                    <a:bodyPr/>
+                    <a:lstStyle/>
+                    <a:p>
+                      <a:r>
+                        <a:rPr lang="en-US" dirty="0" smtClean="0"/>
+                        <a:t>D</a:t>
+                      </a:r>
+                      <a:r>
+                        <a:rPr lang="en-US" dirty="0" smtClean="0"/>
+                        <a:t>ouble</a:t>
+                      </a:r>
+                      <a:endParaRPr lang="en-US" dirty="0"/>
+                    </a:p>
+                  </a:txBody>
+                  <a:tcPr/>
+                </a:tc>
+                <a:tc>
+                  <a:txBody>
+                    <a:bodyPr/>
+                    <a:lstStyle/>
+                    <a:p>
+                      <a:r>
+                        <a:rPr lang="en-US" dirty="0" smtClean="0"/>
+                        <a:t>Sigma</a:t>
+                      </a:r>
+                      <a:endParaRPr lang="en-US" dirty="0"/>
+                    </a:p>
+                  </a:txBody>
+                  <a:tcPr/>
+                </a:tc>
+              </a:tr>
+            </a:tbl>
+          </a:graphicData>
+        </a:graphic>
+      </p:graphicFrame>
     </p:spTree>
     <p:extLst>
       <p:ext uri="{BB962C8B-B14F-4D97-AF65-F5344CB8AC3E}">
@@ -3415,25 +3694,25 @@
           </a:p>
         </p:txBody>
       </p:sp>
-      <p:sp>
-        <p:nvSpPr>
-          <p:cNvPr id="5" name="Content Placeholder 4"/>
-          <p:cNvSpPr>
-            <a:spLocks noGrp="1"/>
-          </p:cNvSpPr>
+      <p:pic>
+        <p:nvPicPr>
+          <p:cNvPr id="3" name="Content Placeholder 2"/>
+          <p:cNvPicPr>
+            <a:picLocks noGrp="1" noChangeAspect="1"/>
+          </p:cNvPicPr>
           <p:nvPr>
             <p:ph sz="half" idx="2"/>
           </p:nvPr>
-        </p:nvSpPr>
-        <p:spPr/>
-        <p:txBody>
-          <a:bodyPr/>
-          <a:lstStyle/>
-          <a:p>
-            <a:endParaRPr lang="en-US" dirty="0" smtClean="0"/>
-          </a:p>
-        </p:txBody>
-      </p:sp>
+        </p:nvPicPr>
+        <p:blipFill>
+          <a:blip r:embed="rId2"/>
+          <a:srcRect t="-6034" b="-6034"/>
+          <a:stretch>
+            <a:fillRect/>
+          </a:stretch>
+        </p:blipFill>
+        <p:spPr/>
+      </p:pic>
     </p:spTree>
     <p:extLst>
       <p:ext uri="{BB962C8B-B14F-4D97-AF65-F5344CB8AC3E}">
@@ -5355,31 +5634,6 @@
               <a:rPr lang="en-US" dirty="0" smtClean="0"/>
               <a:t>Complete distance field</a:t>
             </a:r>
-          </a:p>
-          <a:p>
-            <a:r>
-              <a:rPr lang="en-US" dirty="0" smtClean="0"/>
-              <a:t>Subdivide</a:t>
-            </a:r>
-          </a:p>
-          <a:p>
-            <a:r>
-              <a:rPr lang="en-US" dirty="0" smtClean="0"/>
-              <a:t>No need to </a:t>
-            </a:r>
-            <a:r>
-              <a:rPr lang="en-US" dirty="0" err="1" smtClean="0"/>
-              <a:t>recompute</a:t>
-            </a:r>
-            <a:r>
-              <a:rPr lang="en-US" dirty="0" smtClean="0"/>
-              <a:t> windows.</a:t>
-            </a:r>
-          </a:p>
-          <a:p>
-            <a:pPr marL="0" indent="0">
-              <a:buNone/>
-            </a:pPr>
             <a:endParaRPr lang="en-US" dirty="0" smtClean="0"/>
           </a:p>
           <a:p>
@@ -5387,25 +5641,31 @@
           </a:p>
         </p:txBody>
       </p:sp>
-      <p:sp>
-        <p:nvSpPr>
-          <p:cNvPr id="5" name="Content Placeholder 4"/>
-          <p:cNvSpPr>
-            <a:spLocks noGrp="1"/>
-          </p:cNvSpPr>
+      <p:pic>
+        <p:nvPicPr>
+          <p:cNvPr id="3" name="Content Placeholder 2" descr="tetra_3.tiff"/>
+          <p:cNvPicPr>
+            <a:picLocks noGrp="1" noChangeAspect="1"/>
+          </p:cNvPicPr>
           <p:nvPr>
             <p:ph sz="half" idx="2"/>
           </p:nvPr>
-        </p:nvSpPr>
-        <p:spPr/>
-        <p:txBody>
-          <a:bodyPr/>
-          <a:lstStyle/>
-          <a:p>
-            <a:endParaRPr lang="en-US" dirty="0" smtClean="0"/>
-          </a:p>
-        </p:txBody>
-      </p:sp>
+        </p:nvPicPr>
+        <p:blipFill>
+          <a:blip r:embed="rId2">
+            <a:extLst>
+              <a:ext uri="{28A0092B-C50C-407E-A947-70E740481C1C}">
+                <a14:useLocalDpi xmlns:a14="http://schemas.microsoft.com/office/drawing/2010/main" val="0"/>
+              </a:ext>
+            </a:extLst>
+          </a:blip>
+          <a:srcRect l="14363" r="14363"/>
+          <a:stretch>
+            <a:fillRect/>
+          </a:stretch>
+        </p:blipFill>
+        <p:spPr/>
+      </p:pic>
     </p:spTree>
     <p:extLst>
       <p:ext uri="{BB962C8B-B14F-4D97-AF65-F5344CB8AC3E}">
@@ -5452,8 +5712,16 @@
           <a:lstStyle/>
           <a:p>
             <a:r>
-              <a:rPr lang="fr-FR" dirty="0" err="1" smtClean="0"/>
-              <a:t>Results</a:t>
+              <a:rPr lang="en-US" dirty="0" smtClean="0"/>
+              <a:t>Implementation </a:t>
+            </a:r>
+            <a:r>
+              <a:rPr lang="en-US" dirty="0" smtClean="0"/>
+              <a:t>–</a:t>
+            </a:r>
+            <a:r>
+              <a:rPr lang="en-US" dirty="0" smtClean="0"/>
+              <a:t> Subdivision</a:t>
             </a:r>
             <a:endParaRPr lang="en-US" dirty="0"/>
           </a:p>
@@ -5466,23 +5734,24 @@
             <a:spLocks noGrp="1"/>
           </p:cNvSpPr>
           <p:nvPr>
-            <p:ph idx="1"/>
-          </p:nvPr>
-        </p:nvSpPr>
-        <p:spPr/>
-        <p:txBody>
-          <a:bodyPr/>
-          <a:lstStyle/>
-          <a:p>
-            <a:r>
-              <a:rPr lang="en-US" dirty="0" smtClean="0"/>
-              <a:t>Demo time !</a:t>
-            </a:r>
-          </a:p>
-          <a:p>
-            <a:pPr marL="0" indent="0">
-              <a:buNone/>
-            </a:pPr>
+            <p:ph sz="half" idx="1"/>
+          </p:nvPr>
+        </p:nvSpPr>
+        <p:spPr/>
+        <p:txBody>
+          <a:bodyPr/>
+          <a:lstStyle/>
+          <a:p>
+            <a:r>
+              <a:rPr lang="en-US" dirty="0" smtClean="0"/>
+              <a:t>Complete distance field</a:t>
+            </a:r>
+          </a:p>
+          <a:p>
+            <a:r>
+              <a:rPr lang="en-US" dirty="0" smtClean="0"/>
+              <a:t>Subdivide</a:t>
+            </a:r>
             <a:endParaRPr lang="en-US" dirty="0" smtClean="0"/>
           </a:p>
           <a:p>
@@ -5490,10 +5759,29 @@
           </a:p>
         </p:txBody>
       </p:sp>
+      <p:pic>
+        <p:nvPicPr>
+          <p:cNvPr id="3" name="Content Placeholder 2"/>
+          <p:cNvPicPr>
+            <a:picLocks noGrp="1" noChangeAspect="1"/>
+          </p:cNvPicPr>
+          <p:nvPr>
+            <p:ph sz="half" idx="2"/>
+          </p:nvPr>
+        </p:nvPicPr>
+        <p:blipFill>
+          <a:blip r:embed="rId2"/>
+          <a:srcRect l="-30468" r="-30468"/>
+          <a:stretch>
+            <a:fillRect/>
+          </a:stretch>
+        </p:blipFill>
+        <p:spPr/>
+      </p:pic>
     </p:spTree>
     <p:extLst>
       <p:ext uri="{BB962C8B-B14F-4D97-AF65-F5344CB8AC3E}">
-        <p14:creationId xmlns:p14="http://schemas.microsoft.com/office/powerpoint/2010/main" val="2414769269"/>
+        <p14:creationId xmlns:p14="http://schemas.microsoft.com/office/powerpoint/2010/main" val="4181918995"/>
       </p:ext>
     </p:extLst>
   </p:cSld>
@@ -5633,6 +5921,227 @@
         </p:nvSpPr>
         <p:spPr/>
         <p:txBody>
+          <a:bodyPr/>
+          <a:lstStyle/>
+          <a:p>
+            <a:r>
+              <a:rPr lang="en-US" dirty="0" smtClean="0"/>
+              <a:t>Implementation </a:t>
+            </a:r>
+            <a:r>
+              <a:rPr lang="en-US" dirty="0" smtClean="0"/>
+              <a:t>–</a:t>
+            </a:r>
+            <a:r>
+              <a:rPr lang="en-US" dirty="0" smtClean="0"/>
+              <a:t> Subdivision</a:t>
+            </a:r>
+            <a:endParaRPr lang="en-US" dirty="0"/>
+          </a:p>
+        </p:txBody>
+      </p:sp>
+      <p:sp>
+        <p:nvSpPr>
+          <p:cNvPr id="4" name="Content Placeholder 3"/>
+          <p:cNvSpPr>
+            <a:spLocks noGrp="1"/>
+          </p:cNvSpPr>
+          <p:nvPr>
+            <p:ph sz="half" idx="1"/>
+          </p:nvPr>
+        </p:nvSpPr>
+        <p:spPr/>
+        <p:txBody>
+          <a:bodyPr/>
+          <a:lstStyle/>
+          <a:p>
+            <a:r>
+              <a:rPr lang="en-US" dirty="0" smtClean="0"/>
+              <a:t>Complete distance field</a:t>
+            </a:r>
+          </a:p>
+          <a:p>
+            <a:r>
+              <a:rPr lang="en-US" dirty="0" smtClean="0"/>
+              <a:t>Subdivide</a:t>
+            </a:r>
+          </a:p>
+          <a:p>
+            <a:r>
+              <a:rPr lang="en-US" dirty="0" smtClean="0"/>
+              <a:t>No need to </a:t>
+            </a:r>
+            <a:r>
+              <a:rPr lang="en-US" dirty="0" err="1" smtClean="0"/>
+              <a:t>recompute</a:t>
+            </a:r>
+            <a:r>
+              <a:rPr lang="en-US" dirty="0" smtClean="0"/>
+              <a:t> windows.</a:t>
+            </a:r>
+          </a:p>
+          <a:p>
+            <a:pPr marL="0" indent="0">
+              <a:buNone/>
+            </a:pPr>
+            <a:endParaRPr lang="en-US" dirty="0" smtClean="0"/>
+          </a:p>
+          <a:p>
+            <a:endParaRPr lang="en-US" dirty="0" smtClean="0"/>
+          </a:p>
+        </p:txBody>
+      </p:sp>
+      <p:pic>
+        <p:nvPicPr>
+          <p:cNvPr id="3" name="Content Placeholder 2" descr="tetra_7.tiff"/>
+          <p:cNvPicPr>
+            <a:picLocks noGrp="1" noChangeAspect="1"/>
+          </p:cNvPicPr>
+          <p:nvPr>
+            <p:ph sz="half" idx="2"/>
+          </p:nvPr>
+        </p:nvPicPr>
+        <p:blipFill>
+          <a:blip r:embed="rId2">
+            <a:extLst>
+              <a:ext uri="{28A0092B-C50C-407E-A947-70E740481C1C}">
+                <a14:useLocalDpi xmlns:a14="http://schemas.microsoft.com/office/drawing/2010/main" val="0"/>
+              </a:ext>
+            </a:extLst>
+          </a:blip>
+          <a:srcRect l="14363" r="14363"/>
+          <a:stretch>
+            <a:fillRect/>
+          </a:stretch>
+        </p:blipFill>
+        <p:spPr/>
+      </p:pic>
+    </p:spTree>
+    <p:extLst>
+      <p:ext uri="{BB962C8B-B14F-4D97-AF65-F5344CB8AC3E}">
+        <p14:creationId xmlns:p14="http://schemas.microsoft.com/office/powerpoint/2010/main" val="4181918995"/>
+      </p:ext>
+    </p:extLst>
+  </p:cSld>
+  <p:clrMapOvr>
+    <a:masterClrMapping/>
+  </p:clrMapOvr>
+</p:sld>
+</file>
+
+<file path=ppt/slides/slide21.xml><?xml version="1.0" encoding="utf-8"?>
+<p:sld xmlns:a="http://schemas.openxmlformats.org/drawingml/2006/main" xmlns:r="http://schemas.openxmlformats.org/officeDocument/2006/relationships" xmlns:p="http://schemas.openxmlformats.org/presentationml/2006/main">
+  <p:cSld>
+    <p:spTree>
+      <p:nvGrpSpPr>
+        <p:cNvPr id="1" name=""/>
+        <p:cNvGrpSpPr/>
+        <p:nvPr/>
+      </p:nvGrpSpPr>
+      <p:grpSpPr>
+        <a:xfrm>
+          <a:off x="0" y="0"/>
+          <a:ext cx="0" cy="0"/>
+          <a:chOff x="0" y="0"/>
+          <a:chExt cx="0" cy="0"/>
+        </a:xfrm>
+      </p:grpSpPr>
+      <p:sp>
+        <p:nvSpPr>
+          <p:cNvPr id="2" name="Title 1"/>
+          <p:cNvSpPr>
+            <a:spLocks noGrp="1"/>
+          </p:cNvSpPr>
+          <p:nvPr>
+            <p:ph type="title"/>
+          </p:nvPr>
+        </p:nvSpPr>
+        <p:spPr/>
+        <p:txBody>
+          <a:bodyPr/>
+          <a:lstStyle/>
+          <a:p>
+            <a:r>
+              <a:rPr lang="fr-FR" dirty="0" err="1" smtClean="0"/>
+              <a:t>Results</a:t>
+            </a:r>
+            <a:endParaRPr lang="en-US" dirty="0"/>
+          </a:p>
+        </p:txBody>
+      </p:sp>
+      <p:sp>
+        <p:nvSpPr>
+          <p:cNvPr id="4" name="Content Placeholder 3"/>
+          <p:cNvSpPr>
+            <a:spLocks noGrp="1"/>
+          </p:cNvSpPr>
+          <p:nvPr>
+            <p:ph idx="1"/>
+          </p:nvPr>
+        </p:nvSpPr>
+        <p:spPr/>
+        <p:txBody>
+          <a:bodyPr/>
+          <a:lstStyle/>
+          <a:p>
+            <a:r>
+              <a:rPr lang="en-US" dirty="0" smtClean="0"/>
+              <a:t>Demo time !</a:t>
+            </a:r>
+          </a:p>
+          <a:p>
+            <a:pPr marL="0" indent="0">
+              <a:buNone/>
+            </a:pPr>
+            <a:endParaRPr lang="en-US" dirty="0" smtClean="0"/>
+          </a:p>
+          <a:p>
+            <a:endParaRPr lang="en-US" dirty="0" smtClean="0"/>
+          </a:p>
+        </p:txBody>
+      </p:sp>
+    </p:spTree>
+    <p:extLst>
+      <p:ext uri="{BB962C8B-B14F-4D97-AF65-F5344CB8AC3E}">
+        <p14:creationId xmlns:p14="http://schemas.microsoft.com/office/powerpoint/2010/main" val="2414769269"/>
+      </p:ext>
+    </p:extLst>
+  </p:cSld>
+  <p:clrMapOvr>
+    <a:masterClrMapping/>
+  </p:clrMapOvr>
+</p:sld>
+</file>
+
+<file path=ppt/slides/slide22.xml><?xml version="1.0" encoding="utf-8"?>
+<p:sld xmlns:a="http://schemas.openxmlformats.org/drawingml/2006/main" xmlns:r="http://schemas.openxmlformats.org/officeDocument/2006/relationships" xmlns:p="http://schemas.openxmlformats.org/presentationml/2006/main">
+  <p:cSld>
+    <p:spTree>
+      <p:nvGrpSpPr>
+        <p:cNvPr id="1" name=""/>
+        <p:cNvGrpSpPr/>
+        <p:nvPr/>
+      </p:nvGrpSpPr>
+      <p:grpSpPr>
+        <a:xfrm>
+          <a:off x="0" y="0"/>
+          <a:ext cx="0" cy="0"/>
+          <a:chOff x="0" y="0"/>
+          <a:chExt cx="0" cy="0"/>
+        </a:xfrm>
+      </p:grpSpPr>
+      <p:sp>
+        <p:nvSpPr>
+          <p:cNvPr id="2" name="Title 1"/>
+          <p:cNvSpPr>
+            <a:spLocks noGrp="1"/>
+          </p:cNvSpPr>
+          <p:nvPr>
+            <p:ph type="title"/>
+          </p:nvPr>
+        </p:nvSpPr>
+        <p:spPr/>
+        <p:txBody>
           <a:bodyPr>
             <a:normAutofit fontScale="90000"/>
           </a:bodyPr>
@@ -5646,25 +6155,31 @@
           </a:p>
         </p:txBody>
       </p:sp>
-      <p:sp>
-        <p:nvSpPr>
-          <p:cNvPr id="3" name="Content Placeholder 2"/>
-          <p:cNvSpPr>
-            <a:spLocks noGrp="1"/>
-          </p:cNvSpPr>
+      <p:pic>
+        <p:nvPicPr>
+          <p:cNvPr id="5" name="Content Placeholder 4" descr="Sphere_bleeding.tiff"/>
+          <p:cNvPicPr>
+            <a:picLocks noGrp="1" noChangeAspect="1"/>
+          </p:cNvPicPr>
           <p:nvPr>
             <p:ph sz="half" idx="1"/>
           </p:nvPr>
-        </p:nvSpPr>
-        <p:spPr/>
-        <p:txBody>
-          <a:bodyPr/>
-          <a:lstStyle/>
-          <a:p>
-            <a:endParaRPr lang="en-US"/>
-          </a:p>
-        </p:txBody>
-      </p:sp>
+        </p:nvPicPr>
+        <p:blipFill>
+          <a:blip r:embed="rId2">
+            <a:extLst>
+              <a:ext uri="{28A0092B-C50C-407E-A947-70E740481C1C}">
+                <a14:useLocalDpi xmlns:a14="http://schemas.microsoft.com/office/drawing/2010/main" val="0"/>
+              </a:ext>
+            </a:extLst>
+          </a:blip>
+          <a:srcRect l="14363" r="14363"/>
+          <a:stretch>
+            <a:fillRect/>
+          </a:stretch>
+        </p:blipFill>
+        <p:spPr/>
+      </p:pic>
       <p:sp>
         <p:nvSpPr>
           <p:cNvPr id="4" name="Content Placeholder 3"/>
@@ -5683,19 +6198,6 @@
             <a:r>
               <a:rPr lang="en-US" dirty="0" smtClean="0"/>
               <a:t>Better precision</a:t>
-            </a:r>
-          </a:p>
-          <a:p>
-            <a:r>
-              <a:rPr lang="en-US" dirty="0" smtClean="0"/>
-              <a:t>Understand why High Genus has the blues</a:t>
-            </a:r>
-            <a:endParaRPr lang="en-US" dirty="0"/>
-          </a:p>
-          <a:p>
-            <a:r>
-              <a:rPr lang="en-US" dirty="0" smtClean="0"/>
-              <a:t>Better subdivision</a:t>
             </a:r>
           </a:p>
         </p:txBody>
@@ -5704,6 +6206,224 @@
     <p:extLst>
       <p:ext uri="{BB962C8B-B14F-4D97-AF65-F5344CB8AC3E}">
         <p14:creationId xmlns:p14="http://schemas.microsoft.com/office/powerpoint/2010/main" val="3556100962"/>
+      </p:ext>
+    </p:extLst>
+  </p:cSld>
+  <p:clrMapOvr>
+    <a:masterClrMapping/>
+  </p:clrMapOvr>
+</p:sld>
+</file>
+
+<file path=ppt/slides/slide23.xml><?xml version="1.0" encoding="utf-8"?>
+<p:sld xmlns:a="http://schemas.openxmlformats.org/drawingml/2006/main" xmlns:r="http://schemas.openxmlformats.org/officeDocument/2006/relationships" xmlns:p="http://schemas.openxmlformats.org/presentationml/2006/main">
+  <p:cSld>
+    <p:spTree>
+      <p:nvGrpSpPr>
+        <p:cNvPr id="1" name=""/>
+        <p:cNvGrpSpPr/>
+        <p:nvPr/>
+      </p:nvGrpSpPr>
+      <p:grpSpPr>
+        <a:xfrm>
+          <a:off x="0" y="0"/>
+          <a:ext cx="0" cy="0"/>
+          <a:chOff x="0" y="0"/>
+          <a:chExt cx="0" cy="0"/>
+        </a:xfrm>
+      </p:grpSpPr>
+      <p:sp>
+        <p:nvSpPr>
+          <p:cNvPr id="2" name="Title 1"/>
+          <p:cNvSpPr>
+            <a:spLocks noGrp="1"/>
+          </p:cNvSpPr>
+          <p:nvPr>
+            <p:ph type="title"/>
+          </p:nvPr>
+        </p:nvSpPr>
+        <p:spPr/>
+        <p:txBody>
+          <a:bodyPr>
+            <a:normAutofit fontScale="90000"/>
+          </a:bodyPr>
+          <a:lstStyle/>
+          <a:p>
+            <a:r>
+              <a:rPr lang="en-US" dirty="0" smtClean="0"/>
+              <a:t>Possible ameliorations &amp; extensions</a:t>
+            </a:r>
+            <a:endParaRPr lang="en-US" dirty="0"/>
+          </a:p>
+        </p:txBody>
+      </p:sp>
+      <p:pic>
+        <p:nvPicPr>
+          <p:cNvPr id="5" name="Content Placeholder 4" descr="high_genus_blue.tiff"/>
+          <p:cNvPicPr>
+            <a:picLocks noGrp="1" noChangeAspect="1"/>
+          </p:cNvPicPr>
+          <p:nvPr>
+            <p:ph sz="half" idx="1"/>
+          </p:nvPr>
+        </p:nvPicPr>
+        <p:blipFill>
+          <a:blip r:embed="rId2">
+            <a:extLst>
+              <a:ext uri="{28A0092B-C50C-407E-A947-70E740481C1C}">
+                <a14:useLocalDpi xmlns:a14="http://schemas.microsoft.com/office/drawing/2010/main" val="0"/>
+              </a:ext>
+            </a:extLst>
+          </a:blip>
+          <a:srcRect l="14363" r="14363"/>
+          <a:stretch>
+            <a:fillRect/>
+          </a:stretch>
+        </p:blipFill>
+        <p:spPr/>
+      </p:pic>
+      <p:sp>
+        <p:nvSpPr>
+          <p:cNvPr id="4" name="Content Placeholder 3"/>
+          <p:cNvSpPr>
+            <a:spLocks noGrp="1"/>
+          </p:cNvSpPr>
+          <p:nvPr>
+            <p:ph sz="half" idx="2"/>
+          </p:nvPr>
+        </p:nvSpPr>
+        <p:spPr/>
+        <p:txBody>
+          <a:bodyPr/>
+          <a:lstStyle/>
+          <a:p>
+            <a:r>
+              <a:rPr lang="en-US" dirty="0" smtClean="0"/>
+              <a:t>Better precision</a:t>
+            </a:r>
+          </a:p>
+          <a:p>
+            <a:r>
+              <a:rPr lang="en-US" dirty="0" smtClean="0"/>
+              <a:t>Understand why High Genus has the blues</a:t>
+            </a:r>
+            <a:endParaRPr lang="en-US" dirty="0"/>
+          </a:p>
+        </p:txBody>
+      </p:sp>
+    </p:spTree>
+    <p:extLst>
+      <p:ext uri="{BB962C8B-B14F-4D97-AF65-F5344CB8AC3E}">
+        <p14:creationId xmlns:p14="http://schemas.microsoft.com/office/powerpoint/2010/main" val="4128092294"/>
+      </p:ext>
+    </p:extLst>
+  </p:cSld>
+  <p:clrMapOvr>
+    <a:masterClrMapping/>
+  </p:clrMapOvr>
+</p:sld>
+</file>
+
+<file path=ppt/slides/slide24.xml><?xml version="1.0" encoding="utf-8"?>
+<p:sld xmlns:a="http://schemas.openxmlformats.org/drawingml/2006/main" xmlns:r="http://schemas.openxmlformats.org/officeDocument/2006/relationships" xmlns:p="http://schemas.openxmlformats.org/presentationml/2006/main">
+  <p:cSld>
+    <p:spTree>
+      <p:nvGrpSpPr>
+        <p:cNvPr id="1" name=""/>
+        <p:cNvGrpSpPr/>
+        <p:nvPr/>
+      </p:nvGrpSpPr>
+      <p:grpSpPr>
+        <a:xfrm>
+          <a:off x="0" y="0"/>
+          <a:ext cx="0" cy="0"/>
+          <a:chOff x="0" y="0"/>
+          <a:chExt cx="0" cy="0"/>
+        </a:xfrm>
+      </p:grpSpPr>
+      <p:sp>
+        <p:nvSpPr>
+          <p:cNvPr id="2" name="Title 1"/>
+          <p:cNvSpPr>
+            <a:spLocks noGrp="1"/>
+          </p:cNvSpPr>
+          <p:nvPr>
+            <p:ph type="title"/>
+          </p:nvPr>
+        </p:nvSpPr>
+        <p:spPr/>
+        <p:txBody>
+          <a:bodyPr>
+            <a:normAutofit fontScale="90000"/>
+          </a:bodyPr>
+          <a:lstStyle/>
+          <a:p>
+            <a:r>
+              <a:rPr lang="en-US" dirty="0" smtClean="0"/>
+              <a:t>Possible ameliorations &amp; extensions</a:t>
+            </a:r>
+            <a:endParaRPr lang="en-US" dirty="0"/>
+          </a:p>
+        </p:txBody>
+      </p:sp>
+      <p:pic>
+        <p:nvPicPr>
+          <p:cNvPr id="5" name="Content Placeholder 4"/>
+          <p:cNvPicPr>
+            <a:picLocks noGrp="1" noChangeAspect="1"/>
+          </p:cNvPicPr>
+          <p:nvPr>
+            <p:ph sz="half" idx="1"/>
+          </p:nvPr>
+        </p:nvPicPr>
+        <p:blipFill>
+          <a:blip r:embed="rId2"/>
+          <a:srcRect l="14363" r="14363"/>
+          <a:stretch>
+            <a:fillRect/>
+          </a:stretch>
+        </p:blipFill>
+        <p:spPr/>
+      </p:pic>
+      <p:sp>
+        <p:nvSpPr>
+          <p:cNvPr id="4" name="Content Placeholder 3"/>
+          <p:cNvSpPr>
+            <a:spLocks noGrp="1"/>
+          </p:cNvSpPr>
+          <p:nvPr>
+            <p:ph sz="half" idx="2"/>
+          </p:nvPr>
+        </p:nvSpPr>
+        <p:spPr/>
+        <p:txBody>
+          <a:bodyPr/>
+          <a:lstStyle/>
+          <a:p>
+            <a:r>
+              <a:rPr lang="en-US" dirty="0" smtClean="0"/>
+              <a:t>Better precision</a:t>
+            </a:r>
+          </a:p>
+          <a:p>
+            <a:r>
+              <a:rPr lang="en-US" dirty="0" smtClean="0"/>
+              <a:t>Understand why High Genus has the blues</a:t>
+            </a:r>
+            <a:endParaRPr lang="en-US" dirty="0"/>
+          </a:p>
+          <a:p>
+            <a:r>
+              <a:rPr lang="en-US" dirty="0" smtClean="0"/>
+              <a:t>Better subdivision</a:t>
+            </a:r>
+          </a:p>
+        </p:txBody>
+      </p:sp>
+    </p:spTree>
+    <p:extLst>
+      <p:ext uri="{BB962C8B-B14F-4D97-AF65-F5344CB8AC3E}">
+        <p14:creationId xmlns:p14="http://schemas.microsoft.com/office/powerpoint/2010/main" val="4128092294"/>
       </p:ext>
     </p:extLst>
   </p:cSld>
@@ -5782,25 +6502,25 @@
           </a:p>
         </p:txBody>
       </p:sp>
-      <p:sp>
-        <p:nvSpPr>
-          <p:cNvPr id="5" name="Content Placeholder 4"/>
-          <p:cNvSpPr>
-            <a:spLocks noGrp="1"/>
-          </p:cNvSpPr>
+      <p:pic>
+        <p:nvPicPr>
+          <p:cNvPr id="6" name="Content Placeholder 5"/>
+          <p:cNvPicPr>
+            <a:picLocks noGrp="1" noChangeAspect="1"/>
+          </p:cNvPicPr>
           <p:nvPr>
             <p:ph sz="half" idx="2"/>
           </p:nvPr>
-        </p:nvSpPr>
-        <p:spPr/>
-        <p:txBody>
-          <a:bodyPr/>
-          <a:lstStyle/>
-          <a:p>
-            <a:endParaRPr lang="en-US"/>
-          </a:p>
-        </p:txBody>
-      </p:sp>
+        </p:nvPicPr>
+        <p:blipFill>
+          <a:blip r:embed="rId2"/>
+          <a:srcRect t="-17668" b="-17668"/>
+          <a:stretch>
+            <a:fillRect/>
+          </a:stretch>
+        </p:blipFill>
+        <p:spPr/>
+      </p:pic>
     </p:spTree>
     <p:extLst>
       <p:ext uri="{BB962C8B-B14F-4D97-AF65-F5344CB8AC3E}">
@@ -6780,48 +7500,31 @@
             </a:r>
             <a:endParaRPr lang="en-US" dirty="0" smtClean="0"/>
           </a:p>
-          <a:p>
-            <a:r>
-              <a:rPr lang="en-US" dirty="0" smtClean="0"/>
-              <a:t>Window</a:t>
-            </a:r>
-          </a:p>
-          <a:p>
-            <a:r>
-              <a:rPr lang="en-US" dirty="0" smtClean="0"/>
-              <a:t>Propagation</a:t>
-            </a:r>
-          </a:p>
-          <a:p>
-            <a:r>
-              <a:rPr lang="en-US" dirty="0" smtClean="0"/>
-              <a:t>Merging</a:t>
-            </a:r>
-          </a:p>
-          <a:p>
-            <a:endParaRPr lang="en-US" dirty="0" smtClean="0"/>
-          </a:p>
-        </p:txBody>
-      </p:sp>
-      <p:sp>
-        <p:nvSpPr>
-          <p:cNvPr id="6" name="Content Placeholder 5"/>
-          <p:cNvSpPr>
-            <a:spLocks noGrp="1"/>
-          </p:cNvSpPr>
+        </p:txBody>
+      </p:sp>
+      <p:pic>
+        <p:nvPicPr>
+          <p:cNvPr id="7" name="Content Placeholder 6" descr="ring.tiff"/>
+          <p:cNvPicPr>
+            <a:picLocks noGrp="1" noChangeAspect="1"/>
+          </p:cNvPicPr>
           <p:nvPr>
             <p:ph sz="half" idx="1"/>
           </p:nvPr>
-        </p:nvSpPr>
-        <p:spPr/>
-        <p:txBody>
-          <a:bodyPr/>
-          <a:lstStyle/>
-          <a:p>
-            <a:endParaRPr lang="en-US"/>
-          </a:p>
-        </p:txBody>
-      </p:sp>
+        </p:nvPicPr>
+        <p:blipFill rotWithShape="1">
+          <a:blip r:embed="rId2">
+            <a:extLst>
+              <a:ext uri="{28A0092B-C50C-407E-A947-70E740481C1C}">
+                <a14:useLocalDpi xmlns:a14="http://schemas.microsoft.com/office/drawing/2010/main" val="0"/>
+              </a:ext>
+            </a:extLst>
+          </a:blip>
+          <a:srcRect l="22676" t="12452" r="8601"/>
+          <a:stretch/>
+        </p:blipFill>
+        <p:spPr/>
+      </p:pic>
     </p:spTree>
     <p:extLst>
       <p:ext uri="{BB962C8B-B14F-4D97-AF65-F5344CB8AC3E}">

--- a/presentation.pptx
+++ b/presentation.pptx
@@ -29,6 +29,7 @@
     <p:sldId id="266" r:id="rId23"/>
     <p:sldId id="278" r:id="rId24"/>
     <p:sldId id="279" r:id="rId25"/>
+    <p:sldId id="280" r:id="rId26"/>
   </p:sldIdLst>
   <p:sldSz cx="9144000" cy="6858000" type="screen4x3"/>
   <p:notesSz cx="6858000" cy="9144000"/>
@@ -369,6 +370,18 @@
   <p:clrMapOvr>
     <a:masterClrMapping/>
   </p:clrMapOvr>
+  <mc:AlternateContent xmlns:mc="http://schemas.openxmlformats.org/markup-compatibility/2006">
+    <mc:Choice xmlns:p14="http://schemas.microsoft.com/office/powerpoint/2010/main" Requires="p14">
+      <p:transition spd="med">
+        <p14:pan/>
+      </p:transition>
+    </mc:Choice>
+    <mc:Fallback>
+      <p:transition xmlns:p14="http://schemas.microsoft.com/office/powerpoint/2010/main" spd="med">
+        <p:fade/>
+      </p:transition>
+    </mc:Fallback>
+  </mc:AlternateContent>
 </p:sldLayout>
 </file>
 
@@ -539,6 +552,18 @@
   <p:clrMapOvr>
     <a:masterClrMapping/>
   </p:clrMapOvr>
+  <mc:AlternateContent xmlns:mc="http://schemas.openxmlformats.org/markup-compatibility/2006">
+    <mc:Choice xmlns:p14="http://schemas.microsoft.com/office/powerpoint/2010/main" Requires="p14">
+      <p:transition spd="med">
+        <p14:pan/>
+      </p:transition>
+    </mc:Choice>
+    <mc:Fallback>
+      <p:transition xmlns:p14="http://schemas.microsoft.com/office/powerpoint/2010/main" spd="med">
+        <p:fade/>
+      </p:transition>
+    </mc:Fallback>
+  </mc:AlternateContent>
 </p:sldLayout>
 </file>
 
@@ -719,6 +744,18 @@
   <p:clrMapOvr>
     <a:masterClrMapping/>
   </p:clrMapOvr>
+  <mc:AlternateContent xmlns:mc="http://schemas.openxmlformats.org/markup-compatibility/2006">
+    <mc:Choice xmlns:p14="http://schemas.microsoft.com/office/powerpoint/2010/main" Requires="p14">
+      <p:transition spd="med">
+        <p14:pan/>
+      </p:transition>
+    </mc:Choice>
+    <mc:Fallback>
+      <p:transition xmlns:p14="http://schemas.microsoft.com/office/powerpoint/2010/main" spd="med">
+        <p:fade/>
+      </p:transition>
+    </mc:Fallback>
+  </mc:AlternateContent>
 </p:sldLayout>
 </file>
 
@@ -889,6 +926,18 @@
   <p:clrMapOvr>
     <a:masterClrMapping/>
   </p:clrMapOvr>
+  <mc:AlternateContent xmlns:mc="http://schemas.openxmlformats.org/markup-compatibility/2006">
+    <mc:Choice xmlns:p14="http://schemas.microsoft.com/office/powerpoint/2010/main" Requires="p14">
+      <p:transition spd="med">
+        <p14:pan/>
+      </p:transition>
+    </mc:Choice>
+    <mc:Fallback>
+      <p:transition xmlns:p14="http://schemas.microsoft.com/office/powerpoint/2010/main" spd="med">
+        <p:fade/>
+      </p:transition>
+    </mc:Fallback>
+  </mc:AlternateContent>
 </p:sldLayout>
 </file>
 
@@ -1135,6 +1184,18 @@
   <p:clrMapOvr>
     <a:masterClrMapping/>
   </p:clrMapOvr>
+  <mc:AlternateContent xmlns:mc="http://schemas.openxmlformats.org/markup-compatibility/2006">
+    <mc:Choice xmlns:p14="http://schemas.microsoft.com/office/powerpoint/2010/main" Requires="p14">
+      <p:transition spd="med">
+        <p14:pan/>
+      </p:transition>
+    </mc:Choice>
+    <mc:Fallback>
+      <p:transition xmlns:p14="http://schemas.microsoft.com/office/powerpoint/2010/main" spd="med">
+        <p:fade/>
+      </p:transition>
+    </mc:Fallback>
+  </mc:AlternateContent>
 </p:sldLayout>
 </file>
 
@@ -1423,6 +1484,18 @@
   <p:clrMapOvr>
     <a:masterClrMapping/>
   </p:clrMapOvr>
+  <mc:AlternateContent xmlns:mc="http://schemas.openxmlformats.org/markup-compatibility/2006">
+    <mc:Choice xmlns:p14="http://schemas.microsoft.com/office/powerpoint/2010/main" Requires="p14">
+      <p:transition spd="med">
+        <p14:pan/>
+      </p:transition>
+    </mc:Choice>
+    <mc:Fallback>
+      <p:transition xmlns:p14="http://schemas.microsoft.com/office/powerpoint/2010/main" spd="med">
+        <p:fade/>
+      </p:transition>
+    </mc:Fallback>
+  </mc:AlternateContent>
 </p:sldLayout>
 </file>
 
@@ -1845,6 +1918,18 @@
   <p:clrMapOvr>
     <a:masterClrMapping/>
   </p:clrMapOvr>
+  <mc:AlternateContent xmlns:mc="http://schemas.openxmlformats.org/markup-compatibility/2006">
+    <mc:Choice xmlns:p14="http://schemas.microsoft.com/office/powerpoint/2010/main" Requires="p14">
+      <p:transition spd="med">
+        <p14:pan/>
+      </p:transition>
+    </mc:Choice>
+    <mc:Fallback>
+      <p:transition xmlns:p14="http://schemas.microsoft.com/office/powerpoint/2010/main" spd="med">
+        <p:fade/>
+      </p:transition>
+    </mc:Fallback>
+  </mc:AlternateContent>
 </p:sldLayout>
 </file>
 
@@ -1963,6 +2048,18 @@
   <p:clrMapOvr>
     <a:masterClrMapping/>
   </p:clrMapOvr>
+  <mc:AlternateContent xmlns:mc="http://schemas.openxmlformats.org/markup-compatibility/2006">
+    <mc:Choice xmlns:p14="http://schemas.microsoft.com/office/powerpoint/2010/main" Requires="p14">
+      <p:transition spd="med">
+        <p14:pan/>
+      </p:transition>
+    </mc:Choice>
+    <mc:Fallback>
+      <p:transition xmlns:p14="http://schemas.microsoft.com/office/powerpoint/2010/main" spd="med">
+        <p:fade/>
+      </p:transition>
+    </mc:Fallback>
+  </mc:AlternateContent>
 </p:sldLayout>
 </file>
 
@@ -2058,6 +2155,18 @@
   <p:clrMapOvr>
     <a:masterClrMapping/>
   </p:clrMapOvr>
+  <mc:AlternateContent xmlns:mc="http://schemas.openxmlformats.org/markup-compatibility/2006">
+    <mc:Choice xmlns:p14="http://schemas.microsoft.com/office/powerpoint/2010/main" Requires="p14">
+      <p:transition spd="med">
+        <p14:pan/>
+      </p:transition>
+    </mc:Choice>
+    <mc:Fallback>
+      <p:transition xmlns:p14="http://schemas.microsoft.com/office/powerpoint/2010/main" spd="med">
+        <p:fade/>
+      </p:transition>
+    </mc:Fallback>
+  </mc:AlternateContent>
 </p:sldLayout>
 </file>
 
@@ -2335,6 +2444,18 @@
   <p:clrMapOvr>
     <a:masterClrMapping/>
   </p:clrMapOvr>
+  <mc:AlternateContent xmlns:mc="http://schemas.openxmlformats.org/markup-compatibility/2006">
+    <mc:Choice xmlns:p14="http://schemas.microsoft.com/office/powerpoint/2010/main" Requires="p14">
+      <p:transition spd="med">
+        <p14:pan/>
+      </p:transition>
+    </mc:Choice>
+    <mc:Fallback>
+      <p:transition xmlns:p14="http://schemas.microsoft.com/office/powerpoint/2010/main" spd="med">
+        <p:fade/>
+      </p:transition>
+    </mc:Fallback>
+  </mc:AlternateContent>
 </p:sldLayout>
 </file>
 
@@ -2588,6 +2709,18 @@
   <p:clrMapOvr>
     <a:masterClrMapping/>
   </p:clrMapOvr>
+  <mc:AlternateContent xmlns:mc="http://schemas.openxmlformats.org/markup-compatibility/2006">
+    <mc:Choice xmlns:p14="http://schemas.microsoft.com/office/powerpoint/2010/main" Requires="p14">
+      <p:transition spd="med">
+        <p14:pan/>
+      </p:transition>
+    </mc:Choice>
+    <mc:Fallback>
+      <p:transition xmlns:p14="http://schemas.microsoft.com/office/powerpoint/2010/main" spd="med">
+        <p:fade/>
+      </p:transition>
+    </mc:Fallback>
+  </mc:AlternateContent>
 </p:sldLayout>
 </file>
 
@@ -2895,6 +3028,18 @@
     <p:sldLayoutId id="2147483658" r:id="rId10"/>
     <p:sldLayoutId id="2147483659" r:id="rId11"/>
   </p:sldLayoutIdLst>
+  <mc:AlternateContent xmlns:mc="http://schemas.openxmlformats.org/markup-compatibility/2006">
+    <mc:Choice xmlns:p14="http://schemas.microsoft.com/office/powerpoint/2010/main" Requires="p14">
+      <p:transition spd="med">
+        <p14:pan/>
+      </p:transition>
+    </mc:Choice>
+    <mc:Fallback>
+      <p:transition xmlns:p14="http://schemas.microsoft.com/office/powerpoint/2010/main" spd="med">
+        <p:fade/>
+      </p:transition>
+    </mc:Fallback>
+  </mc:AlternateContent>
   <p:txStyles>
     <p:titleStyle>
       <a:lvl1pPr algn="ctr" defTabSz="457200" rtl="0" eaLnBrk="1" latinLnBrk="0" hangingPunct="1">
@@ -3235,6 +3380,25 @@
   <p:clrMapOvr>
     <a:masterClrMapping/>
   </p:clrMapOvr>
+  <mc:AlternateContent xmlns:mc="http://schemas.openxmlformats.org/markup-compatibility/2006">
+    <mc:Choice xmlns:p14="http://schemas.microsoft.com/office/powerpoint/2010/main" Requires="p14">
+      <p:transition spd="med">
+        <p14:pan/>
+      </p:transition>
+    </mc:Choice>
+    <mc:Fallback>
+      <p:transition xmlns:p14="http://schemas.microsoft.com/office/powerpoint/2010/main" spd="med">
+        <p:fade/>
+      </p:transition>
+    </mc:Fallback>
+  </mc:AlternateContent>
+  <p:timing>
+    <p:tnLst>
+      <p:par>
+        <p:cTn xmlns:p14="http://schemas.microsoft.com/office/powerpoint/2010/main" id="1" dur="indefinite" restart="never" nodeType="tmRoot"/>
+      </p:par>
+    </p:tnLst>
+  </p:timing>
 </p:sld>
 </file>
 
@@ -3272,15 +3436,7 @@
           <a:p>
             <a:r>
               <a:rPr lang="en-US" dirty="0" smtClean="0"/>
-              <a:t>Implementation </a:t>
-            </a:r>
-            <a:r>
-              <a:rPr lang="en-US" dirty="0" smtClean="0"/>
-              <a:t>–</a:t>
-            </a:r>
-            <a:r>
-              <a:rPr lang="en-US" dirty="0" smtClean="0"/>
-              <a:t> Window</a:t>
+              <a:t>Implementation – Window</a:t>
             </a:r>
             <a:endParaRPr lang="en-US" dirty="0"/>
           </a:p>
@@ -3420,11 +3576,7 @@
                     <a:p>
                       <a:r>
                         <a:rPr lang="en-US" dirty="0" smtClean="0"/>
-                        <a:t>B</a:t>
-                      </a:r>
-                      <a:r>
-                        <a:rPr lang="en-US" dirty="0" smtClean="0"/>
-                        <a:t>0</a:t>
+                        <a:t>B0</a:t>
                       </a:r>
                       <a:endParaRPr lang="en-US" dirty="0"/>
                     </a:p>
@@ -3454,11 +3606,7 @@
                     <a:p>
                       <a:r>
                         <a:rPr lang="en-US" dirty="0" smtClean="0"/>
-                        <a:t>B</a:t>
-                      </a:r>
-                      <a:r>
-                        <a:rPr lang="en-US" dirty="0" smtClean="0"/>
-                        <a:t>1</a:t>
+                        <a:t>B1</a:t>
                       </a:r>
                       <a:endParaRPr lang="en-US" dirty="0"/>
                     </a:p>
@@ -3534,11 +3682,7 @@
                     <a:p>
                       <a:r>
                         <a:rPr lang="en-US" dirty="0" err="1" smtClean="0"/>
-                        <a:t>I</a:t>
-                      </a:r>
-                      <a:r>
-                        <a:rPr lang="en-US" dirty="0" err="1" smtClean="0"/>
-                        <a:t>nt</a:t>
+                        <a:t>Int</a:t>
                       </a:r>
                       <a:endParaRPr lang="en-US" dirty="0"/>
                     </a:p>
@@ -3552,11 +3696,7 @@
                     <a:p>
                       <a:r>
                         <a:rPr lang="en-US" dirty="0" smtClean="0"/>
-                        <a:t>T</a:t>
-                      </a:r>
-                      <a:r>
-                        <a:rPr lang="en-US" dirty="0" smtClean="0"/>
-                        <a:t>au</a:t>
+                        <a:t>Tau</a:t>
                       </a:r>
                       <a:endParaRPr lang="en-US" dirty="0"/>
                     </a:p>
@@ -3572,11 +3712,7 @@
                     <a:p>
                       <a:r>
                         <a:rPr lang="en-US" dirty="0" smtClean="0"/>
-                        <a:t>D</a:t>
-                      </a:r>
-                      <a:r>
-                        <a:rPr lang="en-US" dirty="0" smtClean="0"/>
-                        <a:t>ouble</a:t>
+                        <a:t>Double</a:t>
                       </a:r>
                       <a:endParaRPr lang="en-US" dirty="0"/>
                     </a:p>
@@ -3612,6 +3748,25 @@
   <p:clrMapOvr>
     <a:masterClrMapping/>
   </p:clrMapOvr>
+  <mc:AlternateContent xmlns:mc="http://schemas.openxmlformats.org/markup-compatibility/2006">
+    <mc:Choice xmlns:p14="http://schemas.microsoft.com/office/powerpoint/2010/main" Requires="p14">
+      <p:transition spd="med">
+        <p14:pan/>
+      </p:transition>
+    </mc:Choice>
+    <mc:Fallback>
+      <p:transition xmlns:p14="http://schemas.microsoft.com/office/powerpoint/2010/main" spd="med">
+        <p:fade/>
+      </p:transition>
+    </mc:Fallback>
+  </mc:AlternateContent>
+  <p:timing>
+    <p:tnLst>
+      <p:par>
+        <p:cTn xmlns:p14="http://schemas.microsoft.com/office/powerpoint/2010/main" id="1" dur="indefinite" restart="never" nodeType="tmRoot"/>
+      </p:par>
+    </p:tnLst>
+  </p:timing>
 </p:sld>
 </file>
 
@@ -3649,15 +3804,7 @@
           <a:p>
             <a:r>
               <a:rPr lang="en-US" dirty="0" smtClean="0"/>
-              <a:t>Implementation </a:t>
-            </a:r>
-            <a:r>
-              <a:rPr lang="en-US" dirty="0" smtClean="0"/>
-              <a:t>–</a:t>
-            </a:r>
-            <a:r>
-              <a:rPr lang="en-US" dirty="0" smtClean="0"/>
-              <a:t> Window</a:t>
+              <a:t>Implementation – Window</a:t>
             </a:r>
             <a:endParaRPr lang="en-US" dirty="0"/>
           </a:p>
@@ -3723,6 +3870,25 @@
   <p:clrMapOvr>
     <a:masterClrMapping/>
   </p:clrMapOvr>
+  <mc:AlternateContent xmlns:mc="http://schemas.openxmlformats.org/markup-compatibility/2006">
+    <mc:Choice xmlns:p14="http://schemas.microsoft.com/office/powerpoint/2010/main" Requires="p14">
+      <p:transition p14:dur="100">
+        <p:cut/>
+      </p:transition>
+    </mc:Choice>
+    <mc:Fallback>
+      <p:transition xmlns:p14="http://schemas.microsoft.com/office/powerpoint/2010/main">
+        <p:cut/>
+      </p:transition>
+    </mc:Fallback>
+  </mc:AlternateContent>
+  <p:timing>
+    <p:tnLst>
+      <p:par>
+        <p:cTn xmlns:p14="http://schemas.microsoft.com/office/powerpoint/2010/main" id="1" dur="indefinite" restart="never" nodeType="tmRoot"/>
+      </p:par>
+    </p:tnLst>
+  </p:timing>
 </p:sld>
 </file>
 
@@ -3760,15 +3926,7 @@
           <a:p>
             <a:r>
               <a:rPr lang="en-US" dirty="0" smtClean="0"/>
-              <a:t>Implementation </a:t>
-            </a:r>
-            <a:r>
-              <a:rPr lang="en-US" dirty="0" smtClean="0"/>
-              <a:t>–</a:t>
-            </a:r>
-            <a:r>
-              <a:rPr lang="en-US" dirty="0" smtClean="0"/>
-              <a:t> Propagation</a:t>
+              <a:t>Implementation – Propagation</a:t>
             </a:r>
             <a:endParaRPr lang="en-US" dirty="0"/>
           </a:p>
@@ -3837,6 +3995,25 @@
   <p:clrMapOvr>
     <a:masterClrMapping/>
   </p:clrMapOvr>
+  <mc:AlternateContent xmlns:mc="http://schemas.openxmlformats.org/markup-compatibility/2006">
+    <mc:Choice xmlns:p14="http://schemas.microsoft.com/office/powerpoint/2010/main" Requires="p14">
+      <p:transition spd="med">
+        <p14:pan/>
+      </p:transition>
+    </mc:Choice>
+    <mc:Fallback>
+      <p:transition xmlns:p14="http://schemas.microsoft.com/office/powerpoint/2010/main" spd="med">
+        <p:fade/>
+      </p:transition>
+    </mc:Fallback>
+  </mc:AlternateContent>
+  <p:timing>
+    <p:tnLst>
+      <p:par>
+        <p:cTn xmlns:p14="http://schemas.microsoft.com/office/powerpoint/2010/main" id="1" dur="indefinite" restart="never" nodeType="tmRoot"/>
+      </p:par>
+    </p:tnLst>
+  </p:timing>
 </p:sld>
 </file>
 
@@ -3874,15 +4051,7 @@
           <a:p>
             <a:r>
               <a:rPr lang="en-US" dirty="0" smtClean="0"/>
-              <a:t>Implementation </a:t>
-            </a:r>
-            <a:r>
-              <a:rPr lang="en-US" dirty="0" smtClean="0"/>
-              <a:t>–</a:t>
-            </a:r>
-            <a:r>
-              <a:rPr lang="en-US" dirty="0" smtClean="0"/>
-              <a:t> Propagation</a:t>
+              <a:t>Implementation – Propagation</a:t>
             </a:r>
             <a:endParaRPr lang="en-US" dirty="0"/>
           </a:p>
@@ -3913,7 +4082,6 @@
               <a:rPr lang="en-US" dirty="0" smtClean="0"/>
               <a:t>Edge cases </a:t>
             </a:r>
-            <a:endParaRPr lang="en-US" dirty="0" smtClean="0"/>
           </a:p>
           <a:p>
             <a:endParaRPr lang="en-US" dirty="0" smtClean="0"/>
@@ -3960,6 +4128,25 @@
   <p:clrMapOvr>
     <a:masterClrMapping/>
   </p:clrMapOvr>
+  <mc:AlternateContent xmlns:mc="http://schemas.openxmlformats.org/markup-compatibility/2006">
+    <mc:Choice xmlns:p14="http://schemas.microsoft.com/office/powerpoint/2010/main" Requires="p14">
+      <p:transition p14:dur="100">
+        <p:cut/>
+      </p:transition>
+    </mc:Choice>
+    <mc:Fallback>
+      <p:transition xmlns:p14="http://schemas.microsoft.com/office/powerpoint/2010/main">
+        <p:cut/>
+      </p:transition>
+    </mc:Fallback>
+  </mc:AlternateContent>
+  <p:timing>
+    <p:tnLst>
+      <p:par>
+        <p:cTn xmlns:p14="http://schemas.microsoft.com/office/powerpoint/2010/main" id="1" dur="indefinite" restart="never" nodeType="tmRoot"/>
+      </p:par>
+    </p:tnLst>
+  </p:timing>
 </p:sld>
 </file>
 
@@ -3997,15 +4184,7 @@
           <a:p>
             <a:r>
               <a:rPr lang="en-US" dirty="0" smtClean="0"/>
-              <a:t>Implementation </a:t>
-            </a:r>
-            <a:r>
-              <a:rPr lang="en-US" dirty="0" smtClean="0"/>
-              <a:t>–</a:t>
-            </a:r>
-            <a:r>
-              <a:rPr lang="en-US" dirty="0" smtClean="0"/>
-              <a:t> Merging</a:t>
+              <a:t>Implementation – Merging</a:t>
             </a:r>
             <a:endParaRPr lang="en-US" dirty="0"/>
           </a:p>
@@ -4443,6 +4622,25 @@
   <p:clrMapOvr>
     <a:masterClrMapping/>
   </p:clrMapOvr>
+  <mc:AlternateContent xmlns:mc="http://schemas.openxmlformats.org/markup-compatibility/2006">
+    <mc:Choice xmlns:p14="http://schemas.microsoft.com/office/powerpoint/2010/main" Requires="p14">
+      <p:transition spd="med">
+        <p14:pan/>
+      </p:transition>
+    </mc:Choice>
+    <mc:Fallback>
+      <p:transition xmlns:p14="http://schemas.microsoft.com/office/powerpoint/2010/main" spd="med">
+        <p:fade/>
+      </p:transition>
+    </mc:Fallback>
+  </mc:AlternateContent>
+  <p:timing>
+    <p:tnLst>
+      <p:par>
+        <p:cTn xmlns:p14="http://schemas.microsoft.com/office/powerpoint/2010/main" id="1" dur="indefinite" restart="never" nodeType="tmRoot"/>
+      </p:par>
+    </p:tnLst>
+  </p:timing>
 </p:sld>
 </file>
 
@@ -4480,15 +4678,7 @@
           <a:p>
             <a:r>
               <a:rPr lang="en-US" dirty="0" smtClean="0"/>
-              <a:t>Implementation </a:t>
-            </a:r>
-            <a:r>
-              <a:rPr lang="en-US" dirty="0" smtClean="0"/>
-              <a:t>–</a:t>
-            </a:r>
-            <a:r>
-              <a:rPr lang="en-US" dirty="0" smtClean="0"/>
-              <a:t> Merging</a:t>
+              <a:t>Implementation – Merging</a:t>
             </a:r>
             <a:endParaRPr lang="en-US" dirty="0"/>
           </a:p>
@@ -4940,6 +5130,25 @@
   <p:clrMapOvr>
     <a:masterClrMapping/>
   </p:clrMapOvr>
+  <mc:AlternateContent xmlns:mc="http://schemas.openxmlformats.org/markup-compatibility/2006">
+    <mc:Choice xmlns:p14="http://schemas.microsoft.com/office/powerpoint/2010/main" Requires="p14">
+      <p:transition p14:dur="100">
+        <p:cut/>
+      </p:transition>
+    </mc:Choice>
+    <mc:Fallback>
+      <p:transition xmlns:p14="http://schemas.microsoft.com/office/powerpoint/2010/main">
+        <p:cut/>
+      </p:transition>
+    </mc:Fallback>
+  </mc:AlternateContent>
+  <p:timing>
+    <p:tnLst>
+      <p:par>
+        <p:cTn xmlns:p14="http://schemas.microsoft.com/office/powerpoint/2010/main" id="1" dur="indefinite" restart="never" nodeType="tmRoot"/>
+      </p:par>
+    </p:tnLst>
+  </p:timing>
 </p:sld>
 </file>
 
@@ -4977,15 +5186,7 @@
           <a:p>
             <a:r>
               <a:rPr lang="en-US" dirty="0" smtClean="0"/>
-              <a:t>Implementation </a:t>
-            </a:r>
-            <a:r>
-              <a:rPr lang="en-US" dirty="0" smtClean="0"/>
-              <a:t>–</a:t>
-            </a:r>
-            <a:r>
-              <a:rPr lang="en-US" dirty="0" smtClean="0"/>
-              <a:t> Distance Field</a:t>
+              <a:t>Implementation – Distance Field</a:t>
             </a:r>
             <a:endParaRPr lang="en-US" dirty="0"/>
           </a:p>
@@ -5161,6 +5362,25 @@
   <p:clrMapOvr>
     <a:masterClrMapping/>
   </p:clrMapOvr>
+  <mc:AlternateContent xmlns:mc="http://schemas.openxmlformats.org/markup-compatibility/2006">
+    <mc:Choice xmlns:p14="http://schemas.microsoft.com/office/powerpoint/2010/main" Requires="p14">
+      <p:transition spd="med">
+        <p14:pan/>
+      </p:transition>
+    </mc:Choice>
+    <mc:Fallback>
+      <p:transition xmlns:p14="http://schemas.microsoft.com/office/powerpoint/2010/main" spd="med">
+        <p:fade/>
+      </p:transition>
+    </mc:Fallback>
+  </mc:AlternateContent>
+  <p:timing>
+    <p:tnLst>
+      <p:par>
+        <p:cTn xmlns:p14="http://schemas.microsoft.com/office/powerpoint/2010/main" id="1" dur="indefinite" restart="never" nodeType="tmRoot"/>
+      </p:par>
+    </p:tnLst>
+  </p:timing>
 </p:sld>
 </file>
 
@@ -5181,68 +5401,6 @@
           <a:chExt cx="0" cy="0"/>
         </a:xfrm>
       </p:grpSpPr>
-      <p:sp>
-        <p:nvSpPr>
-          <p:cNvPr id="2" name="Title 1"/>
-          <p:cNvSpPr>
-            <a:spLocks noGrp="1"/>
-          </p:cNvSpPr>
-          <p:nvPr>
-            <p:ph type="title"/>
-          </p:nvPr>
-        </p:nvSpPr>
-        <p:spPr/>
-        <p:txBody>
-          <a:bodyPr/>
-          <a:lstStyle/>
-          <a:p>
-            <a:r>
-              <a:rPr lang="en-US" dirty="0" smtClean="0"/>
-              <a:t>Implementation </a:t>
-            </a:r>
-            <a:r>
-              <a:rPr lang="en-US" dirty="0" smtClean="0"/>
-              <a:t>–</a:t>
-            </a:r>
-            <a:r>
-              <a:rPr lang="en-US" dirty="0" smtClean="0"/>
-              <a:t> Distance Field</a:t>
-            </a:r>
-            <a:endParaRPr lang="en-US" dirty="0"/>
-          </a:p>
-        </p:txBody>
-      </p:sp>
-      <p:sp>
-        <p:nvSpPr>
-          <p:cNvPr id="4" name="Content Placeholder 3"/>
-          <p:cNvSpPr>
-            <a:spLocks noGrp="1"/>
-          </p:cNvSpPr>
-          <p:nvPr>
-            <p:ph sz="half" idx="1"/>
-          </p:nvPr>
-        </p:nvSpPr>
-        <p:spPr/>
-        <p:txBody>
-          <a:bodyPr/>
-          <a:lstStyle/>
-          <a:p>
-            <a:r>
-              <a:rPr lang="en-US" dirty="0" smtClean="0"/>
-              <a:t>Easy cases</a:t>
-            </a:r>
-          </a:p>
-          <a:p>
-            <a:r>
-              <a:rPr lang="en-US" dirty="0" smtClean="0"/>
-              <a:t>What if P is inside the face ?</a:t>
-            </a:r>
-          </a:p>
-          <a:p>
-            <a:endParaRPr lang="en-US" dirty="0" smtClean="0"/>
-          </a:p>
-        </p:txBody>
-      </p:sp>
       <p:sp>
         <p:nvSpPr>
           <p:cNvPr id="3" name="Isosceles Triangle 2"/>
@@ -5278,6 +5436,98 @@
           <a:p>
             <a:pPr algn="ctr"/>
             <a:endParaRPr lang="en-US"/>
+          </a:p>
+        </p:txBody>
+      </p:sp>
+      <p:sp>
+        <p:nvSpPr>
+          <p:cNvPr id="13" name="Oval 6"/>
+          <p:cNvSpPr/>
+          <p:nvPr/>
+        </p:nvSpPr>
+        <p:spPr>
+          <a:xfrm>
+            <a:off x="5565576" y="3606380"/>
+            <a:ext cx="297918" cy="297918"/>
+          </a:xfrm>
+          <a:prstGeom prst="ellipse">
+            <a:avLst/>
+          </a:prstGeom>
+        </p:spPr>
+        <p:style>
+          <a:lnRef idx="1">
+            <a:schemeClr val="accent1"/>
+          </a:lnRef>
+          <a:fillRef idx="3">
+            <a:schemeClr val="accent1"/>
+          </a:fillRef>
+          <a:effectRef idx="2">
+            <a:schemeClr val="accent1"/>
+          </a:effectRef>
+          <a:fontRef idx="minor">
+            <a:schemeClr val="lt1"/>
+          </a:fontRef>
+        </p:style>
+        <p:txBody>
+          <a:bodyPr rtlCol="0" anchor="ctr"/>
+          <a:lstStyle/>
+          <a:p>
+            <a:pPr algn="ctr"/>
+            <a:endParaRPr lang="en-US"/>
+          </a:p>
+        </p:txBody>
+      </p:sp>
+      <p:sp>
+        <p:nvSpPr>
+          <p:cNvPr id="2" name="Title 1"/>
+          <p:cNvSpPr>
+            <a:spLocks noGrp="1"/>
+          </p:cNvSpPr>
+          <p:nvPr>
+            <p:ph type="title"/>
+          </p:nvPr>
+        </p:nvSpPr>
+        <p:spPr/>
+        <p:txBody>
+          <a:bodyPr/>
+          <a:lstStyle/>
+          <a:p>
+            <a:r>
+              <a:rPr lang="en-US" dirty="0" smtClean="0"/>
+              <a:t>Implementation – Distance Field</a:t>
+            </a:r>
+            <a:endParaRPr lang="en-US" dirty="0"/>
+          </a:p>
+        </p:txBody>
+      </p:sp>
+      <p:sp>
+        <p:nvSpPr>
+          <p:cNvPr id="4" name="Content Placeholder 3"/>
+          <p:cNvSpPr>
+            <a:spLocks noGrp="1"/>
+          </p:cNvSpPr>
+          <p:nvPr>
+            <p:ph sz="half" idx="1"/>
+          </p:nvPr>
+        </p:nvSpPr>
+        <p:spPr/>
+        <p:txBody>
+          <a:bodyPr/>
+          <a:lstStyle/>
+          <a:p>
+            <a:r>
+              <a:rPr lang="en-US" dirty="0" smtClean="0"/>
+              <a:t>Easy cases</a:t>
+            </a:r>
+          </a:p>
+          <a:p>
+            <a:r>
+              <a:rPr lang="en-US" dirty="0" smtClean="0"/>
+              <a:t>What if P is inside the face ?</a:t>
+            </a:r>
+          </a:p>
+          <a:p>
+            <a:endParaRPr lang="en-US" dirty="0" smtClean="0"/>
           </a:p>
         </p:txBody>
       </p:sp>
@@ -5564,6 +5814,231 @@
   <p:clrMapOvr>
     <a:masterClrMapping/>
   </p:clrMapOvr>
+  <mc:AlternateContent xmlns:mc="http://schemas.openxmlformats.org/markup-compatibility/2006">
+    <mc:Choice xmlns:p14="http://schemas.microsoft.com/office/powerpoint/2010/main" Requires="p14">
+      <p:transition p14:dur="100">
+        <p:cut/>
+      </p:transition>
+    </mc:Choice>
+    <mc:Fallback>
+      <p:transition xmlns:p14="http://schemas.microsoft.com/office/powerpoint/2010/main">
+        <p:cut/>
+      </p:transition>
+    </mc:Fallback>
+  </mc:AlternateContent>
+  <p:timing>
+    <p:tnLst>
+      <p:par>
+        <p:cTn xmlns:p14="http://schemas.microsoft.com/office/powerpoint/2010/main" id="1" dur="indefinite" restart="never" nodeType="tmRoot">
+          <p:childTnLst>
+            <p:seq concurrent="1" nextAc="seek">
+              <p:cTn id="2" dur="indefinite" nodeType="mainSeq">
+                <p:childTnLst>
+                  <p:par>
+                    <p:cTn id="3" fill="hold">
+                      <p:stCondLst>
+                        <p:cond delay="indefinite"/>
+                        <p:cond evt="onBegin" delay="0">
+                          <p:tn val="2"/>
+                        </p:cond>
+                      </p:stCondLst>
+                      <p:childTnLst>
+                        <p:par>
+                          <p:cTn id="4" fill="hold">
+                            <p:stCondLst>
+                              <p:cond delay="0"/>
+                            </p:stCondLst>
+                            <p:childTnLst>
+                              <p:par>
+                                <p:cTn id="5" presetID="10" presetClass="exit" presetSubtype="0" fill="hold" grpId="0" nodeType="withEffect">
+                                  <p:stCondLst>
+                                    <p:cond delay="0"/>
+                                  </p:stCondLst>
+                                  <p:childTnLst>
+                                    <p:animEffect transition="out" filter="fade">
+                                      <p:cBhvr>
+                                        <p:cTn id="6" dur="200"/>
+                                        <p:tgtEl>
+                                          <p:spTgt spid="13"/>
+                                        </p:tgtEl>
+                                      </p:cBhvr>
+                                    </p:animEffect>
+                                    <p:set>
+                                      <p:cBhvr>
+                                        <p:cTn id="7" dur="1" fill="hold">
+                                          <p:stCondLst>
+                                            <p:cond delay="199"/>
+                                          </p:stCondLst>
+                                        </p:cTn>
+                                        <p:tgtEl>
+                                          <p:spTgt spid="13"/>
+                                        </p:tgtEl>
+                                        <p:attrNameLst>
+                                          <p:attrName>style.visibility</p:attrName>
+                                        </p:attrNameLst>
+                                      </p:cBhvr>
+                                      <p:to>
+                                        <p:strVal val="hidden"/>
+                                      </p:to>
+                                    </p:set>
+                                  </p:childTnLst>
+                                </p:cTn>
+                              </p:par>
+                            </p:childTnLst>
+                          </p:cTn>
+                        </p:par>
+                        <p:par>
+                          <p:cTn id="8" fill="hold">
+                            <p:stCondLst>
+                              <p:cond delay="200"/>
+                            </p:stCondLst>
+                            <p:childTnLst>
+                              <p:par>
+                                <p:cTn id="9" presetID="10" presetClass="entr" presetSubtype="0" fill="hold" grpId="0" nodeType="afterEffect">
+                                  <p:stCondLst>
+                                    <p:cond delay="0"/>
+                                  </p:stCondLst>
+                                  <p:childTnLst>
+                                    <p:set>
+                                      <p:cBhvr>
+                                        <p:cTn id="10" dur="1" fill="hold">
+                                          <p:stCondLst>
+                                            <p:cond delay="0"/>
+                                          </p:stCondLst>
+                                        </p:cTn>
+                                        <p:tgtEl>
+                                          <p:spTgt spid="7"/>
+                                        </p:tgtEl>
+                                        <p:attrNameLst>
+                                          <p:attrName>style.visibility</p:attrName>
+                                        </p:attrNameLst>
+                                      </p:cBhvr>
+                                      <p:to>
+                                        <p:strVal val="visible"/>
+                                      </p:to>
+                                    </p:set>
+                                    <p:animEffect transition="in" filter="fade">
+                                      <p:cBhvr>
+                                        <p:cTn id="11" dur="200"/>
+                                        <p:tgtEl>
+                                          <p:spTgt spid="7"/>
+                                        </p:tgtEl>
+                                      </p:cBhvr>
+                                    </p:animEffect>
+                                  </p:childTnLst>
+                                </p:cTn>
+                              </p:par>
+                            </p:childTnLst>
+                          </p:cTn>
+                        </p:par>
+                        <p:par>
+                          <p:cTn id="12" fill="hold">
+                            <p:stCondLst>
+                              <p:cond delay="400"/>
+                            </p:stCondLst>
+                            <p:childTnLst>
+                              <p:par>
+                                <p:cTn id="13" presetID="10" presetClass="entr" presetSubtype="0" fill="hold" nodeType="afterEffect">
+                                  <p:stCondLst>
+                                    <p:cond delay="0"/>
+                                  </p:stCondLst>
+                                  <p:childTnLst>
+                                    <p:set>
+                                      <p:cBhvr>
+                                        <p:cTn id="14" dur="1" fill="hold">
+                                          <p:stCondLst>
+                                            <p:cond delay="0"/>
+                                          </p:stCondLst>
+                                        </p:cTn>
+                                        <p:tgtEl>
+                                          <p:spTgt spid="15"/>
+                                        </p:tgtEl>
+                                        <p:attrNameLst>
+                                          <p:attrName>style.visibility</p:attrName>
+                                        </p:attrNameLst>
+                                      </p:cBhvr>
+                                      <p:to>
+                                        <p:strVal val="visible"/>
+                                      </p:to>
+                                    </p:set>
+                                    <p:animEffect transition="in" filter="fade">
+                                      <p:cBhvr>
+                                        <p:cTn id="15" dur="200"/>
+                                        <p:tgtEl>
+                                          <p:spTgt spid="15"/>
+                                        </p:tgtEl>
+                                      </p:cBhvr>
+                                    </p:animEffect>
+                                  </p:childTnLst>
+                                </p:cTn>
+                              </p:par>
+                              <p:par>
+                                <p:cTn id="16" presetID="10" presetClass="entr" presetSubtype="0" fill="hold" nodeType="withEffect">
+                                  <p:stCondLst>
+                                    <p:cond delay="0"/>
+                                  </p:stCondLst>
+                                  <p:childTnLst>
+                                    <p:set>
+                                      <p:cBhvr>
+                                        <p:cTn id="17" dur="1" fill="hold">
+                                          <p:stCondLst>
+                                            <p:cond delay="0"/>
+                                          </p:stCondLst>
+                                        </p:cTn>
+                                        <p:tgtEl>
+                                          <p:spTgt spid="17"/>
+                                        </p:tgtEl>
+                                        <p:attrNameLst>
+                                          <p:attrName>style.visibility</p:attrName>
+                                        </p:attrNameLst>
+                                      </p:cBhvr>
+                                      <p:to>
+                                        <p:strVal val="visible"/>
+                                      </p:to>
+                                    </p:set>
+                                    <p:animEffect transition="in" filter="fade">
+                                      <p:cBhvr>
+                                        <p:cTn id="18" dur="200"/>
+                                        <p:tgtEl>
+                                          <p:spTgt spid="17"/>
+                                        </p:tgtEl>
+                                      </p:cBhvr>
+                                    </p:animEffect>
+                                  </p:childTnLst>
+                                </p:cTn>
+                              </p:par>
+                            </p:childTnLst>
+                          </p:cTn>
+                        </p:par>
+                      </p:childTnLst>
+                    </p:cTn>
+                  </p:par>
+                </p:childTnLst>
+              </p:cTn>
+              <p:prevCondLst>
+                <p:cond evt="onPrev" delay="0">
+                  <p:tgtEl>
+                    <p:sldTgt/>
+                  </p:tgtEl>
+                </p:cond>
+              </p:prevCondLst>
+              <p:nextCondLst>
+                <p:cond evt="onNext" delay="0">
+                  <p:tgtEl>
+                    <p:sldTgt/>
+                  </p:tgtEl>
+                </p:cond>
+              </p:nextCondLst>
+            </p:seq>
+          </p:childTnLst>
+        </p:cTn>
+      </p:par>
+    </p:tnLst>
+    <p:bldLst>
+      <p:bldP spid="13" grpId="0" animBg="1"/>
+      <p:bldP spid="7" grpId="0" animBg="1"/>
+    </p:bldLst>
+  </p:timing>
 </p:sld>
 </file>
 
@@ -5601,15 +6076,7 @@
           <a:p>
             <a:r>
               <a:rPr lang="en-US" dirty="0" smtClean="0"/>
-              <a:t>Implementation </a:t>
-            </a:r>
-            <a:r>
-              <a:rPr lang="en-US" dirty="0" smtClean="0"/>
-              <a:t>–</a:t>
-            </a:r>
-            <a:r>
-              <a:rPr lang="en-US" dirty="0" smtClean="0"/>
-              <a:t> Subdivision</a:t>
+              <a:t>Implementation – Subdivision</a:t>
             </a:r>
             <a:endParaRPr lang="en-US" dirty="0"/>
           </a:p>
@@ -5634,7 +6101,6 @@
               <a:rPr lang="en-US" dirty="0" smtClean="0"/>
               <a:t>Complete distance field</a:t>
             </a:r>
-            <a:endParaRPr lang="en-US" dirty="0" smtClean="0"/>
           </a:p>
           <a:p>
             <a:endParaRPr lang="en-US" dirty="0" smtClean="0"/>
@@ -5676,6 +6142,25 @@
   <p:clrMapOvr>
     <a:masterClrMapping/>
   </p:clrMapOvr>
+  <mc:AlternateContent xmlns:mc="http://schemas.openxmlformats.org/markup-compatibility/2006">
+    <mc:Choice xmlns:p14="http://schemas.microsoft.com/office/powerpoint/2010/main" Requires="p14">
+      <p:transition spd="med">
+        <p14:pan/>
+      </p:transition>
+    </mc:Choice>
+    <mc:Fallback>
+      <p:transition xmlns:p14="http://schemas.microsoft.com/office/powerpoint/2010/main" spd="med">
+        <p:fade/>
+      </p:transition>
+    </mc:Fallback>
+  </mc:AlternateContent>
+  <p:timing>
+    <p:tnLst>
+      <p:par>
+        <p:cTn xmlns:p14="http://schemas.microsoft.com/office/powerpoint/2010/main" id="1" dur="indefinite" restart="never" nodeType="tmRoot"/>
+      </p:par>
+    </p:tnLst>
+  </p:timing>
 </p:sld>
 </file>
 
@@ -5713,15 +6198,7 @@
           <a:p>
             <a:r>
               <a:rPr lang="en-US" dirty="0" smtClean="0"/>
-              <a:t>Implementation </a:t>
-            </a:r>
-            <a:r>
-              <a:rPr lang="en-US" dirty="0" smtClean="0"/>
-              <a:t>–</a:t>
-            </a:r>
-            <a:r>
-              <a:rPr lang="en-US" dirty="0" smtClean="0"/>
-              <a:t> Subdivision</a:t>
+              <a:t>Implementation – Subdivision</a:t>
             </a:r>
             <a:endParaRPr lang="en-US" dirty="0"/>
           </a:p>
@@ -5752,7 +6229,6 @@
               <a:rPr lang="en-US" dirty="0" smtClean="0"/>
               <a:t>Subdivide</a:t>
             </a:r>
-            <a:endParaRPr lang="en-US" dirty="0" smtClean="0"/>
           </a:p>
           <a:p>
             <a:endParaRPr lang="en-US" dirty="0" smtClean="0"/>
@@ -5788,6 +6264,25 @@
   <p:clrMapOvr>
     <a:masterClrMapping/>
   </p:clrMapOvr>
+  <mc:AlternateContent xmlns:mc="http://schemas.openxmlformats.org/markup-compatibility/2006">
+    <mc:Choice xmlns:p14="http://schemas.microsoft.com/office/powerpoint/2010/main" Requires="p14">
+      <p:transition p14:dur="100">
+        <p:cut/>
+      </p:transition>
+    </mc:Choice>
+    <mc:Fallback>
+      <p:transition xmlns:p14="http://schemas.microsoft.com/office/powerpoint/2010/main">
+        <p:cut/>
+      </p:transition>
+    </mc:Fallback>
+  </mc:AlternateContent>
+  <p:timing>
+    <p:tnLst>
+      <p:par>
+        <p:cTn xmlns:p14="http://schemas.microsoft.com/office/powerpoint/2010/main" id="1" dur="indefinite" restart="never" nodeType="tmRoot"/>
+      </p:par>
+    </p:tnLst>
+  </p:timing>
 </p:sld>
 </file>
 
@@ -5889,6 +6384,455 @@
   <p:clrMapOvr>
     <a:masterClrMapping/>
   </p:clrMapOvr>
+  <mc:AlternateContent xmlns:mc="http://schemas.openxmlformats.org/markup-compatibility/2006">
+    <mc:Choice xmlns:p14="http://schemas.microsoft.com/office/powerpoint/2010/main" Requires="p14">
+      <p:transition spd="med">
+        <p14:pan/>
+      </p:transition>
+    </mc:Choice>
+    <mc:Fallback>
+      <p:transition xmlns:p14="http://schemas.microsoft.com/office/powerpoint/2010/main" spd="med">
+        <p:fade/>
+      </p:transition>
+    </mc:Fallback>
+  </mc:AlternateContent>
+  <p:timing>
+    <p:tnLst>
+      <p:par>
+        <p:cTn xmlns:p14="http://schemas.microsoft.com/office/powerpoint/2010/main" id="1" dur="indefinite" restart="never" nodeType="tmRoot">
+          <p:childTnLst>
+            <p:seq concurrent="1" nextAc="seek">
+              <p:cTn id="2" dur="indefinite" nodeType="mainSeq">
+                <p:childTnLst>
+                  <p:par>
+                    <p:cTn id="3" fill="hold">
+                      <p:stCondLst>
+                        <p:cond delay="indefinite"/>
+                        <p:cond evt="onBegin" delay="0">
+                          <p:tn val="2"/>
+                        </p:cond>
+                      </p:stCondLst>
+                      <p:childTnLst>
+                        <p:par>
+                          <p:cTn id="4" fill="hold">
+                            <p:stCondLst>
+                              <p:cond delay="0"/>
+                            </p:stCondLst>
+                            <p:childTnLst>
+                              <p:par>
+                                <p:cTn id="5" presetID="12" presetClass="entr" presetSubtype="4" fill="hold" nodeType="withEffect">
+                                  <p:stCondLst>
+                                    <p:cond delay="0"/>
+                                  </p:stCondLst>
+                                  <p:childTnLst>
+                                    <p:set>
+                                      <p:cBhvr>
+                                        <p:cTn id="6" dur="1" fill="hold">
+                                          <p:stCondLst>
+                                            <p:cond delay="0"/>
+                                          </p:stCondLst>
+                                        </p:cTn>
+                                        <p:tgtEl>
+                                          <p:spTgt spid="3">
+                                            <p:txEl>
+                                              <p:pRg st="0" end="0"/>
+                                            </p:txEl>
+                                          </p:spTgt>
+                                        </p:tgtEl>
+                                        <p:attrNameLst>
+                                          <p:attrName>style.visibility</p:attrName>
+                                        </p:attrNameLst>
+                                      </p:cBhvr>
+                                      <p:to>
+                                        <p:strVal val="visible"/>
+                                      </p:to>
+                                    </p:set>
+                                    <p:anim calcmode="lin" valueType="num">
+                                      <p:cBhvr additive="base">
+                                        <p:cTn id="7" dur="300"/>
+                                        <p:tgtEl>
+                                          <p:spTgt spid="3">
+                                            <p:txEl>
+                                              <p:pRg st="0" end="0"/>
+                                            </p:txEl>
+                                          </p:spTgt>
+                                        </p:tgtEl>
+                                        <p:attrNameLst>
+                                          <p:attrName>ppt_y</p:attrName>
+                                        </p:attrNameLst>
+                                      </p:cBhvr>
+                                      <p:tavLst>
+                                        <p:tav tm="0">
+                                          <p:val>
+                                            <p:strVal val="#ppt_y+#ppt_h*1.125000"/>
+                                          </p:val>
+                                        </p:tav>
+                                        <p:tav tm="100000">
+                                          <p:val>
+                                            <p:strVal val="#ppt_y"/>
+                                          </p:val>
+                                        </p:tav>
+                                      </p:tavLst>
+                                    </p:anim>
+                                    <p:animEffect transition="in" filter="wipe(up)">
+                                      <p:cBhvr>
+                                        <p:cTn id="8" dur="300"/>
+                                        <p:tgtEl>
+                                          <p:spTgt spid="3">
+                                            <p:txEl>
+                                              <p:pRg st="0" end="0"/>
+                                            </p:txEl>
+                                          </p:spTgt>
+                                        </p:tgtEl>
+                                      </p:cBhvr>
+                                    </p:animEffect>
+                                  </p:childTnLst>
+                                </p:cTn>
+                              </p:par>
+                            </p:childTnLst>
+                          </p:cTn>
+                        </p:par>
+                      </p:childTnLst>
+                    </p:cTn>
+                  </p:par>
+                  <p:par>
+                    <p:cTn id="9" fill="hold">
+                      <p:stCondLst>
+                        <p:cond delay="indefinite"/>
+                      </p:stCondLst>
+                      <p:childTnLst>
+                        <p:par>
+                          <p:cTn id="10" fill="hold">
+                            <p:stCondLst>
+                              <p:cond delay="0"/>
+                            </p:stCondLst>
+                            <p:childTnLst>
+                              <p:par>
+                                <p:cTn id="11" presetID="12" presetClass="entr" presetSubtype="4" fill="hold" nodeType="clickEffect">
+                                  <p:stCondLst>
+                                    <p:cond delay="0"/>
+                                  </p:stCondLst>
+                                  <p:childTnLst>
+                                    <p:set>
+                                      <p:cBhvr>
+                                        <p:cTn id="12" dur="1" fill="hold">
+                                          <p:stCondLst>
+                                            <p:cond delay="0"/>
+                                          </p:stCondLst>
+                                        </p:cTn>
+                                        <p:tgtEl>
+                                          <p:spTgt spid="3">
+                                            <p:txEl>
+                                              <p:pRg st="1" end="1"/>
+                                            </p:txEl>
+                                          </p:spTgt>
+                                        </p:tgtEl>
+                                        <p:attrNameLst>
+                                          <p:attrName>style.visibility</p:attrName>
+                                        </p:attrNameLst>
+                                      </p:cBhvr>
+                                      <p:to>
+                                        <p:strVal val="visible"/>
+                                      </p:to>
+                                    </p:set>
+                                    <p:anim calcmode="lin" valueType="num">
+                                      <p:cBhvr additive="base">
+                                        <p:cTn id="13" dur="300"/>
+                                        <p:tgtEl>
+                                          <p:spTgt spid="3">
+                                            <p:txEl>
+                                              <p:pRg st="1" end="1"/>
+                                            </p:txEl>
+                                          </p:spTgt>
+                                        </p:tgtEl>
+                                        <p:attrNameLst>
+                                          <p:attrName>ppt_y</p:attrName>
+                                        </p:attrNameLst>
+                                      </p:cBhvr>
+                                      <p:tavLst>
+                                        <p:tav tm="0">
+                                          <p:val>
+                                            <p:strVal val="#ppt_y+#ppt_h*1.125000"/>
+                                          </p:val>
+                                        </p:tav>
+                                        <p:tav tm="100000">
+                                          <p:val>
+                                            <p:strVal val="#ppt_y"/>
+                                          </p:val>
+                                        </p:tav>
+                                      </p:tavLst>
+                                    </p:anim>
+                                    <p:animEffect transition="in" filter="wipe(up)">
+                                      <p:cBhvr>
+                                        <p:cTn id="14" dur="300"/>
+                                        <p:tgtEl>
+                                          <p:spTgt spid="3">
+                                            <p:txEl>
+                                              <p:pRg st="1" end="1"/>
+                                            </p:txEl>
+                                          </p:spTgt>
+                                        </p:tgtEl>
+                                      </p:cBhvr>
+                                    </p:animEffect>
+                                  </p:childTnLst>
+                                </p:cTn>
+                              </p:par>
+                              <p:par>
+                                <p:cTn id="15" presetID="12" presetClass="entr" presetSubtype="4" fill="hold" nodeType="withEffect">
+                                  <p:stCondLst>
+                                    <p:cond delay="0"/>
+                                  </p:stCondLst>
+                                  <p:childTnLst>
+                                    <p:set>
+                                      <p:cBhvr>
+                                        <p:cTn id="16" dur="1" fill="hold">
+                                          <p:stCondLst>
+                                            <p:cond delay="0"/>
+                                          </p:stCondLst>
+                                        </p:cTn>
+                                        <p:tgtEl>
+                                          <p:spTgt spid="3">
+                                            <p:txEl>
+                                              <p:pRg st="2" end="2"/>
+                                            </p:txEl>
+                                          </p:spTgt>
+                                        </p:tgtEl>
+                                        <p:attrNameLst>
+                                          <p:attrName>style.visibility</p:attrName>
+                                        </p:attrNameLst>
+                                      </p:cBhvr>
+                                      <p:to>
+                                        <p:strVal val="visible"/>
+                                      </p:to>
+                                    </p:set>
+                                    <p:anim calcmode="lin" valueType="num">
+                                      <p:cBhvr additive="base">
+                                        <p:cTn id="17" dur="300"/>
+                                        <p:tgtEl>
+                                          <p:spTgt spid="3">
+                                            <p:txEl>
+                                              <p:pRg st="2" end="2"/>
+                                            </p:txEl>
+                                          </p:spTgt>
+                                        </p:tgtEl>
+                                        <p:attrNameLst>
+                                          <p:attrName>ppt_y</p:attrName>
+                                        </p:attrNameLst>
+                                      </p:cBhvr>
+                                      <p:tavLst>
+                                        <p:tav tm="0">
+                                          <p:val>
+                                            <p:strVal val="#ppt_y+#ppt_h*1.125000"/>
+                                          </p:val>
+                                        </p:tav>
+                                        <p:tav tm="100000">
+                                          <p:val>
+                                            <p:strVal val="#ppt_y"/>
+                                          </p:val>
+                                        </p:tav>
+                                      </p:tavLst>
+                                    </p:anim>
+                                    <p:animEffect transition="in" filter="wipe(up)">
+                                      <p:cBhvr>
+                                        <p:cTn id="18" dur="300"/>
+                                        <p:tgtEl>
+                                          <p:spTgt spid="3">
+                                            <p:txEl>
+                                              <p:pRg st="2" end="2"/>
+                                            </p:txEl>
+                                          </p:spTgt>
+                                        </p:tgtEl>
+                                      </p:cBhvr>
+                                    </p:animEffect>
+                                  </p:childTnLst>
+                                </p:cTn>
+                              </p:par>
+                            </p:childTnLst>
+                          </p:cTn>
+                        </p:par>
+                      </p:childTnLst>
+                    </p:cTn>
+                  </p:par>
+                  <p:par>
+                    <p:cTn id="19" fill="hold">
+                      <p:stCondLst>
+                        <p:cond delay="indefinite"/>
+                      </p:stCondLst>
+                      <p:childTnLst>
+                        <p:par>
+                          <p:cTn id="20" fill="hold">
+                            <p:stCondLst>
+                              <p:cond delay="0"/>
+                            </p:stCondLst>
+                            <p:childTnLst>
+                              <p:par>
+                                <p:cTn id="21" presetID="12" presetClass="entr" presetSubtype="4" fill="hold" nodeType="clickEffect">
+                                  <p:stCondLst>
+                                    <p:cond delay="0"/>
+                                  </p:stCondLst>
+                                  <p:childTnLst>
+                                    <p:set>
+                                      <p:cBhvr>
+                                        <p:cTn id="22" dur="1" fill="hold">
+                                          <p:stCondLst>
+                                            <p:cond delay="0"/>
+                                          </p:stCondLst>
+                                        </p:cTn>
+                                        <p:tgtEl>
+                                          <p:spTgt spid="3">
+                                            <p:txEl>
+                                              <p:pRg st="3" end="3"/>
+                                            </p:txEl>
+                                          </p:spTgt>
+                                        </p:tgtEl>
+                                        <p:attrNameLst>
+                                          <p:attrName>style.visibility</p:attrName>
+                                        </p:attrNameLst>
+                                      </p:cBhvr>
+                                      <p:to>
+                                        <p:strVal val="visible"/>
+                                      </p:to>
+                                    </p:set>
+                                    <p:anim calcmode="lin" valueType="num">
+                                      <p:cBhvr additive="base">
+                                        <p:cTn id="23" dur="300"/>
+                                        <p:tgtEl>
+                                          <p:spTgt spid="3">
+                                            <p:txEl>
+                                              <p:pRg st="3" end="3"/>
+                                            </p:txEl>
+                                          </p:spTgt>
+                                        </p:tgtEl>
+                                        <p:attrNameLst>
+                                          <p:attrName>ppt_y</p:attrName>
+                                        </p:attrNameLst>
+                                      </p:cBhvr>
+                                      <p:tavLst>
+                                        <p:tav tm="0">
+                                          <p:val>
+                                            <p:strVal val="#ppt_y+#ppt_h*1.125000"/>
+                                          </p:val>
+                                        </p:tav>
+                                        <p:tav tm="100000">
+                                          <p:val>
+                                            <p:strVal val="#ppt_y"/>
+                                          </p:val>
+                                        </p:tav>
+                                      </p:tavLst>
+                                    </p:anim>
+                                    <p:animEffect transition="in" filter="wipe(up)">
+                                      <p:cBhvr>
+                                        <p:cTn id="24" dur="300"/>
+                                        <p:tgtEl>
+                                          <p:spTgt spid="3">
+                                            <p:txEl>
+                                              <p:pRg st="3" end="3"/>
+                                            </p:txEl>
+                                          </p:spTgt>
+                                        </p:tgtEl>
+                                      </p:cBhvr>
+                                    </p:animEffect>
+                                  </p:childTnLst>
+                                </p:cTn>
+                              </p:par>
+                              <p:par>
+                                <p:cTn id="25" presetID="12" presetClass="entr" presetSubtype="4" fill="hold" nodeType="withEffect">
+                                  <p:stCondLst>
+                                    <p:cond delay="0"/>
+                                  </p:stCondLst>
+                                  <p:childTnLst>
+                                    <p:set>
+                                      <p:cBhvr>
+                                        <p:cTn id="26" dur="1" fill="hold">
+                                          <p:stCondLst>
+                                            <p:cond delay="0"/>
+                                          </p:stCondLst>
+                                        </p:cTn>
+                                        <p:tgtEl>
+                                          <p:spTgt spid="3">
+                                            <p:txEl>
+                                              <p:pRg st="4" end="4"/>
+                                            </p:txEl>
+                                          </p:spTgt>
+                                        </p:tgtEl>
+                                        <p:attrNameLst>
+                                          <p:attrName>style.visibility</p:attrName>
+                                        </p:attrNameLst>
+                                      </p:cBhvr>
+                                      <p:to>
+                                        <p:strVal val="visible"/>
+                                      </p:to>
+                                    </p:set>
+                                    <p:anim calcmode="lin" valueType="num">
+                                      <p:cBhvr additive="base">
+                                        <p:cTn id="27" dur="300"/>
+                                        <p:tgtEl>
+                                          <p:spTgt spid="3">
+                                            <p:txEl>
+                                              <p:pRg st="4" end="4"/>
+                                            </p:txEl>
+                                          </p:spTgt>
+                                        </p:tgtEl>
+                                        <p:attrNameLst>
+                                          <p:attrName>ppt_y</p:attrName>
+                                        </p:attrNameLst>
+                                      </p:cBhvr>
+                                      <p:tavLst>
+                                        <p:tav tm="0">
+                                          <p:val>
+                                            <p:strVal val="#ppt_y+#ppt_h*1.125000"/>
+                                          </p:val>
+                                        </p:tav>
+                                        <p:tav tm="100000">
+                                          <p:val>
+                                            <p:strVal val="#ppt_y"/>
+                                          </p:val>
+                                        </p:tav>
+                                      </p:tavLst>
+                                    </p:anim>
+                                    <p:animEffect transition="in" filter="wipe(up)">
+                                      <p:cBhvr>
+                                        <p:cTn id="28" dur="300"/>
+                                        <p:tgtEl>
+                                          <p:spTgt spid="3">
+                                            <p:txEl>
+                                              <p:pRg st="4" end="4"/>
+                                            </p:txEl>
+                                          </p:spTgt>
+                                        </p:tgtEl>
+                                      </p:cBhvr>
+                                    </p:animEffect>
+                                  </p:childTnLst>
+                                </p:cTn>
+                              </p:par>
+                            </p:childTnLst>
+                          </p:cTn>
+                        </p:par>
+                      </p:childTnLst>
+                    </p:cTn>
+                  </p:par>
+                </p:childTnLst>
+              </p:cTn>
+              <p:prevCondLst>
+                <p:cond evt="onPrev" delay="0">
+                  <p:tgtEl>
+                    <p:sldTgt/>
+                  </p:tgtEl>
+                </p:cond>
+              </p:prevCondLst>
+              <p:nextCondLst>
+                <p:cond evt="onNext" delay="0">
+                  <p:tgtEl>
+                    <p:sldTgt/>
+                  </p:tgtEl>
+                </p:cond>
+              </p:nextCondLst>
+            </p:seq>
+          </p:childTnLst>
+        </p:cTn>
+      </p:par>
+    </p:tnLst>
+  </p:timing>
 </p:sld>
 </file>
 
@@ -5926,15 +6870,7 @@
           <a:p>
             <a:r>
               <a:rPr lang="en-US" dirty="0" smtClean="0"/>
-              <a:t>Implementation </a:t>
-            </a:r>
-            <a:r>
-              <a:rPr lang="en-US" dirty="0" smtClean="0"/>
-              <a:t>–</a:t>
-            </a:r>
-            <a:r>
-              <a:rPr lang="en-US" dirty="0" smtClean="0"/>
-              <a:t> Subdivision</a:t>
+              <a:t>Implementation – Subdivision</a:t>
             </a:r>
             <a:endParaRPr lang="en-US" dirty="0"/>
           </a:p>
@@ -6026,6 +6962,25 @@
   <p:clrMapOvr>
     <a:masterClrMapping/>
   </p:clrMapOvr>
+  <mc:AlternateContent xmlns:mc="http://schemas.openxmlformats.org/markup-compatibility/2006">
+    <mc:Choice xmlns:p14="http://schemas.microsoft.com/office/powerpoint/2010/main" Requires="p14">
+      <p:transition p14:dur="100">
+        <p:cut/>
+      </p:transition>
+    </mc:Choice>
+    <mc:Fallback>
+      <p:transition xmlns:p14="http://schemas.microsoft.com/office/powerpoint/2010/main">
+        <p:cut/>
+      </p:transition>
+    </mc:Fallback>
+  </mc:AlternateContent>
+  <p:timing>
+    <p:tnLst>
+      <p:par>
+        <p:cTn xmlns:p14="http://schemas.microsoft.com/office/powerpoint/2010/main" id="1" dur="indefinite" restart="never" nodeType="tmRoot"/>
+      </p:par>
+    </p:tnLst>
+  </p:timing>
 </p:sld>
 </file>
 
@@ -6079,24 +7034,76 @@
             <p:ph idx="1"/>
           </p:nvPr>
         </p:nvSpPr>
-        <p:spPr/>
-        <p:txBody>
-          <a:bodyPr/>
-          <a:lstStyle/>
-          <a:p>
-            <a:r>
-              <a:rPr lang="en-US" dirty="0" smtClean="0"/>
-              <a:t>Demo time !</a:t>
-            </a:r>
-          </a:p>
+        <p:spPr>
+          <a:xfrm>
+            <a:off x="1899545" y="2509636"/>
+            <a:ext cx="6080387" cy="2068898"/>
+          </a:xfrm>
+        </p:spPr>
+        <p:txBody>
+          <a:bodyPr>
+            <a:normAutofit/>
+          </a:bodyPr>
+          <a:lstStyle/>
           <a:p>
             <a:pPr marL="0" indent="0">
               <a:buNone/>
             </a:pPr>
-            <a:endParaRPr lang="en-US" dirty="0" smtClean="0"/>
-          </a:p>
-          <a:p>
-            <a:endParaRPr lang="en-US" dirty="0" smtClean="0"/>
+            <a:r>
+              <a:rPr lang="en-US" sz="7200" b="1" dirty="0" smtClean="0">
+                <a:ln w="17780" cmpd="sng">
+                  <a:solidFill>
+                    <a:srgbClr val="FFFFFF"/>
+                  </a:solidFill>
+                  <a:prstDash val="solid"/>
+                  <a:miter lim="800000"/>
+                </a:ln>
+                <a:gradFill rotWithShape="1">
+                  <a:gsLst>
+                    <a:gs pos="0">
+                      <a:srgbClr val="000000">
+                        <a:tint val="92000"/>
+                        <a:shade val="100000"/>
+                        <a:satMod val="150000"/>
+                      </a:srgbClr>
+                    </a:gs>
+                    <a:gs pos="49000">
+                      <a:srgbClr val="000000">
+                        <a:tint val="89000"/>
+                        <a:shade val="90000"/>
+                        <a:satMod val="150000"/>
+                      </a:srgbClr>
+                    </a:gs>
+                    <a:gs pos="50000">
+                      <a:srgbClr val="000000">
+                        <a:tint val="100000"/>
+                        <a:shade val="75000"/>
+                        <a:satMod val="150000"/>
+                      </a:srgbClr>
+                    </a:gs>
+                    <a:gs pos="95000">
+                      <a:srgbClr val="000000">
+                        <a:shade val="47000"/>
+                        <a:satMod val="150000"/>
+                      </a:srgbClr>
+                    </a:gs>
+                    <a:gs pos="100000">
+                      <a:srgbClr val="000000">
+                        <a:shade val="39000"/>
+                        <a:satMod val="150000"/>
+                      </a:srgbClr>
+                    </a:gs>
+                  </a:gsLst>
+                  <a:lin ang="5400000"/>
+                </a:gradFill>
+                <a:effectLst>
+                  <a:outerShdw blurRad="50800" algn="tl" rotWithShape="0">
+                    <a:srgbClr val="000000"/>
+                  </a:outerShdw>
+                </a:effectLst>
+              </a:rPr>
+              <a:t>DEMO TIME!</a:t>
+            </a:r>
           </a:p>
         </p:txBody>
       </p:sp>
@@ -6110,6 +7117,154 @@
   <p:clrMapOvr>
     <a:masterClrMapping/>
   </p:clrMapOvr>
+  <mc:AlternateContent xmlns:mc="http://schemas.openxmlformats.org/markup-compatibility/2006">
+    <mc:Choice xmlns:p14="http://schemas.microsoft.com/office/powerpoint/2010/main" Requires="p14">
+      <p:transition spd="med">
+        <p14:pan/>
+      </p:transition>
+    </mc:Choice>
+    <mc:Fallback>
+      <p:transition xmlns:p14="http://schemas.microsoft.com/office/powerpoint/2010/main" spd="med">
+        <p:fade/>
+      </p:transition>
+    </mc:Fallback>
+  </mc:AlternateContent>
+  <p:timing>
+    <p:tnLst>
+      <p:par>
+        <p:cTn xmlns:p14="http://schemas.microsoft.com/office/powerpoint/2010/main" id="1" dur="indefinite" restart="never" nodeType="tmRoot">
+          <p:childTnLst>
+            <p:seq concurrent="1" nextAc="seek">
+              <p:cTn id="2" dur="indefinite" nodeType="mainSeq">
+                <p:childTnLst>
+                  <p:par>
+                    <p:cTn id="3" fill="hold">
+                      <p:stCondLst>
+                        <p:cond delay="indefinite"/>
+                      </p:stCondLst>
+                      <p:childTnLst>
+                        <p:par>
+                          <p:cTn id="4" fill="hold">
+                            <p:stCondLst>
+                              <p:cond delay="0"/>
+                            </p:stCondLst>
+                            <p:childTnLst>
+                              <p:par>
+                                <p:cTn id="5" presetID="23" presetClass="entr" presetSubtype="16" fill="hold" grpId="0" nodeType="clickEffect">
+                                  <p:stCondLst>
+                                    <p:cond delay="0"/>
+                                  </p:stCondLst>
+                                  <p:childTnLst>
+                                    <p:set>
+                                      <p:cBhvr>
+                                        <p:cTn id="6" dur="1" fill="hold">
+                                          <p:stCondLst>
+                                            <p:cond delay="0"/>
+                                          </p:stCondLst>
+                                        </p:cTn>
+                                        <p:tgtEl>
+                                          <p:spTgt spid="4">
+                                            <p:txEl>
+                                              <p:pRg st="0" end="0"/>
+                                            </p:txEl>
+                                          </p:spTgt>
+                                        </p:tgtEl>
+                                        <p:attrNameLst>
+                                          <p:attrName>style.visibility</p:attrName>
+                                        </p:attrNameLst>
+                                      </p:cBhvr>
+                                      <p:to>
+                                        <p:strVal val="visible"/>
+                                      </p:to>
+                                    </p:set>
+                                    <p:anim calcmode="lin" valueType="num">
+                                      <p:cBhvr>
+                                        <p:cTn id="7" dur="400" fill="hold"/>
+                                        <p:tgtEl>
+                                          <p:spTgt spid="4">
+                                            <p:txEl>
+                                              <p:pRg st="0" end="0"/>
+                                            </p:txEl>
+                                          </p:spTgt>
+                                        </p:tgtEl>
+                                        <p:attrNameLst>
+                                          <p:attrName>ppt_w</p:attrName>
+                                        </p:attrNameLst>
+                                      </p:cBhvr>
+                                      <p:tavLst>
+                                        <p:tav tm="0">
+                                          <p:val>
+                                            <p:fltVal val="0"/>
+                                          </p:val>
+                                        </p:tav>
+                                        <p:tav tm="100000">
+                                          <p:val>
+                                            <p:strVal val="#ppt_w"/>
+                                          </p:val>
+                                        </p:tav>
+                                      </p:tavLst>
+                                    </p:anim>
+                                    <p:anim calcmode="lin" valueType="num">
+                                      <p:cBhvr>
+                                        <p:cTn id="8" dur="400" fill="hold"/>
+                                        <p:tgtEl>
+                                          <p:spTgt spid="4">
+                                            <p:txEl>
+                                              <p:pRg st="0" end="0"/>
+                                            </p:txEl>
+                                          </p:spTgt>
+                                        </p:tgtEl>
+                                        <p:attrNameLst>
+                                          <p:attrName>ppt_h</p:attrName>
+                                        </p:attrNameLst>
+                                      </p:cBhvr>
+                                      <p:tavLst>
+                                        <p:tav tm="0">
+                                          <p:val>
+                                            <p:fltVal val="0"/>
+                                          </p:val>
+                                        </p:tav>
+                                        <p:tav tm="100000">
+                                          <p:val>
+                                            <p:strVal val="#ppt_h"/>
+                                          </p:val>
+                                        </p:tav>
+                                      </p:tavLst>
+                                    </p:anim>
+                                  </p:childTnLst>
+                                </p:cTn>
+                              </p:par>
+                            </p:childTnLst>
+                          </p:cTn>
+                        </p:par>
+                      </p:childTnLst>
+                    </p:cTn>
+                  </p:par>
+                </p:childTnLst>
+              </p:cTn>
+              <p:prevCondLst>
+                <p:cond evt="onPrev" delay="0">
+                  <p:tgtEl>
+                    <p:sldTgt/>
+                  </p:tgtEl>
+                </p:cond>
+              </p:prevCondLst>
+              <p:nextCondLst>
+                <p:cond evt="onNext" delay="0">
+                  <p:tgtEl>
+                    <p:sldTgt/>
+                  </p:tgtEl>
+                </p:cond>
+              </p:nextCondLst>
+            </p:seq>
+          </p:childTnLst>
+        </p:cTn>
+      </p:par>
+    </p:tnLst>
+    <p:bldLst>
+      <p:bldP spid="4" grpId="0" build="p"/>
+    </p:bldLst>
+  </p:timing>
 </p:sld>
 </file>
 
@@ -6212,6 +7367,25 @@
   <p:clrMapOvr>
     <a:masterClrMapping/>
   </p:clrMapOvr>
+  <mc:AlternateContent xmlns:mc="http://schemas.openxmlformats.org/markup-compatibility/2006">
+    <mc:Choice xmlns:p14="http://schemas.microsoft.com/office/powerpoint/2010/main" Requires="p14">
+      <p:transition p14:dur="100">
+        <p:cut/>
+      </p:transition>
+    </mc:Choice>
+    <mc:Fallback>
+      <p:transition xmlns:p14="http://schemas.microsoft.com/office/powerpoint/2010/main">
+        <p:cut/>
+      </p:transition>
+    </mc:Fallback>
+  </mc:AlternateContent>
+  <p:timing>
+    <p:tnLst>
+      <p:par>
+        <p:cTn xmlns:p14="http://schemas.microsoft.com/office/powerpoint/2010/main" id="1" dur="indefinite" restart="never" nodeType="tmRoot"/>
+      </p:par>
+    </p:tnLst>
+  </p:timing>
 </p:sld>
 </file>
 
@@ -6321,6 +7495,25 @@
   <p:clrMapOvr>
     <a:masterClrMapping/>
   </p:clrMapOvr>
+  <mc:AlternateContent xmlns:mc="http://schemas.openxmlformats.org/markup-compatibility/2006">
+    <mc:Choice xmlns:p14="http://schemas.microsoft.com/office/powerpoint/2010/main" Requires="p14">
+      <p:transition p14:dur="100">
+        <p:cut/>
+      </p:transition>
+    </mc:Choice>
+    <mc:Fallback>
+      <p:transition xmlns:p14="http://schemas.microsoft.com/office/powerpoint/2010/main">
+        <p:cut/>
+      </p:transition>
+    </mc:Fallback>
+  </mc:AlternateContent>
+  <p:timing>
+    <p:tnLst>
+      <p:par>
+        <p:cTn xmlns:p14="http://schemas.microsoft.com/office/powerpoint/2010/main" id="1" dur="indefinite" restart="never" nodeType="tmRoot"/>
+      </p:par>
+    </p:tnLst>
+  </p:timing>
 </p:sld>
 </file>
 
@@ -6430,6 +7623,120 @@
   <p:clrMapOvr>
     <a:masterClrMapping/>
   </p:clrMapOvr>
+  <mc:AlternateContent xmlns:mc="http://schemas.openxmlformats.org/markup-compatibility/2006">
+    <mc:Choice xmlns:p14="http://schemas.microsoft.com/office/powerpoint/2010/main" Requires="p14">
+      <p:transition p14:dur="100">
+        <p:cut/>
+      </p:transition>
+    </mc:Choice>
+    <mc:Fallback>
+      <p:transition xmlns:p14="http://schemas.microsoft.com/office/powerpoint/2010/main">
+        <p:cut/>
+      </p:transition>
+    </mc:Fallback>
+  </mc:AlternateContent>
+  <p:timing>
+    <p:tnLst>
+      <p:par>
+        <p:cTn xmlns:p14="http://schemas.microsoft.com/office/powerpoint/2010/main" id="1" dur="indefinite" restart="never" nodeType="tmRoot"/>
+      </p:par>
+    </p:tnLst>
+  </p:timing>
+</p:sld>
+</file>
+
+<file path=ppt/slides/slide25.xml><?xml version="1.0" encoding="utf-8"?>
+<p:sld xmlns:a="http://schemas.openxmlformats.org/drawingml/2006/main" xmlns:r="http://schemas.openxmlformats.org/officeDocument/2006/relationships" xmlns:p="http://schemas.openxmlformats.org/presentationml/2006/main">
+  <p:cSld>
+    <p:spTree>
+      <p:nvGrpSpPr>
+        <p:cNvPr id="1" name=""/>
+        <p:cNvGrpSpPr/>
+        <p:nvPr/>
+      </p:nvGrpSpPr>
+      <p:grpSpPr>
+        <a:xfrm>
+          <a:off x="0" y="0"/>
+          <a:ext cx="0" cy="0"/>
+          <a:chOff x="0" y="0"/>
+          <a:chExt cx="0" cy="0"/>
+        </a:xfrm>
+      </p:grpSpPr>
+      <p:sp>
+        <p:nvSpPr>
+          <p:cNvPr id="5" name="Title 1"/>
+          <p:cNvSpPr txBox="1">
+            <a:spLocks/>
+          </p:cNvSpPr>
+          <p:nvPr/>
+        </p:nvSpPr>
+        <p:spPr>
+          <a:xfrm>
+            <a:off x="685800" y="2334265"/>
+            <a:ext cx="7772400" cy="1470025"/>
+          </a:xfrm>
+          <a:prstGeom prst="rect">
+            <a:avLst/>
+          </a:prstGeom>
+        </p:spPr>
+        <p:txBody>
+          <a:bodyPr vert="horz" lIns="91440" tIns="45720" rIns="91440" bIns="45720" rtlCol="0" anchor="ctr">
+            <a:normAutofit fontScale="97500"/>
+          </a:bodyPr>
+          <a:lstStyle>
+            <a:lvl1pPr algn="ctr" defTabSz="457200" rtl="0" eaLnBrk="1" latinLnBrk="0" hangingPunct="1">
+              <a:spcBef>
+                <a:spcPct val="0"/>
+              </a:spcBef>
+              <a:buNone/>
+              <a:defRPr sz="4400" kern="1200">
+                <a:solidFill>
+                  <a:schemeClr val="tx1"/>
+                </a:solidFill>
+                <a:latin typeface="+mj-lt"/>
+                <a:ea typeface="+mj-ea"/>
+                <a:cs typeface="+mj-cs"/>
+              </a:defRPr>
+            </a:lvl1pPr>
+          </a:lstStyle>
+          <a:p>
+            <a:r>
+              <a:rPr lang="en-US" dirty="0" smtClean="0"/>
+              <a:t>Thank you for listening!</a:t>
+            </a:r>
+            <a:endParaRPr lang="en-US" dirty="0"/>
+          </a:p>
+        </p:txBody>
+      </p:sp>
+    </p:spTree>
+    <p:extLst>
+      <p:ext uri="{BB962C8B-B14F-4D97-AF65-F5344CB8AC3E}">
+        <p14:creationId xmlns:p14="http://schemas.microsoft.com/office/powerpoint/2010/main" val="4272479843"/>
+      </p:ext>
+    </p:extLst>
+  </p:cSld>
+  <p:clrMapOvr>
+    <a:masterClrMapping/>
+  </p:clrMapOvr>
+  <mc:AlternateContent xmlns:mc="http://schemas.openxmlformats.org/markup-compatibility/2006">
+    <mc:Choice xmlns:p14="http://schemas.microsoft.com/office/powerpoint/2010/main" Requires="p14">
+      <p:transition spd="med">
+        <p14:pan/>
+      </p:transition>
+    </mc:Choice>
+    <mc:Fallback>
+      <p:transition xmlns:p14="http://schemas.microsoft.com/office/powerpoint/2010/main" spd="med">
+        <p:fade/>
+      </p:transition>
+    </mc:Fallback>
+  </mc:AlternateContent>
+  <p:timing>
+    <p:tnLst>
+      <p:par>
+        <p:cTn xmlns:p14="http://schemas.microsoft.com/office/powerpoint/2010/main" id="1" dur="indefinite" restart="never" nodeType="tmRoot"/>
+      </p:par>
+    </p:tnLst>
+  </p:timing>
 </p:sld>
 </file>
 
@@ -6473,35 +7780,6 @@
           </a:p>
         </p:txBody>
       </p:sp>
-      <p:sp>
-        <p:nvSpPr>
-          <p:cNvPr id="4" name="Content Placeholder 3"/>
-          <p:cNvSpPr>
-            <a:spLocks noGrp="1"/>
-          </p:cNvSpPr>
-          <p:nvPr>
-            <p:ph sz="half" idx="1"/>
-          </p:nvPr>
-        </p:nvSpPr>
-        <p:spPr/>
-        <p:txBody>
-          <a:bodyPr/>
-          <a:lstStyle/>
-          <a:p>
-            <a:r>
-              <a:rPr lang="en-US" dirty="0" err="1" smtClean="0"/>
-              <a:t>Djikstra</a:t>
-            </a:r>
-            <a:r>
-              <a:rPr lang="en-US" dirty="0" smtClean="0"/>
-              <a:t> Algorithm</a:t>
-            </a:r>
-          </a:p>
-          <a:p>
-            <a:endParaRPr lang="en-US" dirty="0"/>
-          </a:p>
-        </p:txBody>
-      </p:sp>
       <p:pic>
         <p:nvPicPr>
           <p:cNvPr id="6" name="Content Placeholder 5"/>
@@ -6521,6 +7799,38 @@
         </p:blipFill>
         <p:spPr/>
       </p:pic>
+      <p:sp>
+        <p:nvSpPr>
+          <p:cNvPr id="7" name="Content Placeholder 3"/>
+          <p:cNvSpPr>
+            <a:spLocks noGrp="1"/>
+          </p:cNvSpPr>
+          <p:nvPr>
+            <p:ph sz="half" idx="1"/>
+          </p:nvPr>
+        </p:nvSpPr>
+        <p:spPr>
+          <a:xfrm>
+            <a:off x="457200" y="1600200"/>
+            <a:ext cx="4038600" cy="4525963"/>
+          </a:xfrm>
+        </p:spPr>
+        <p:txBody>
+          <a:bodyPr/>
+          <a:lstStyle/>
+          <a:p>
+            <a:r>
+              <a:rPr lang="en-US" dirty="0" err="1" smtClean="0"/>
+              <a:t>Djikstra</a:t>
+            </a:r>
+            <a:r>
+              <a:rPr lang="en-US" dirty="0" smtClean="0"/>
+              <a:t> Algorithm</a:t>
+            </a:r>
+            <a:endParaRPr lang="en-US" dirty="0"/>
+          </a:p>
+        </p:txBody>
+      </p:sp>
     </p:spTree>
     <p:extLst>
       <p:ext uri="{BB962C8B-B14F-4D97-AF65-F5344CB8AC3E}">
@@ -6531,6 +7841,25 @@
   <p:clrMapOvr>
     <a:masterClrMapping/>
   </p:clrMapOvr>
+  <mc:AlternateContent xmlns:mc="http://schemas.openxmlformats.org/markup-compatibility/2006">
+    <mc:Choice xmlns:p14="http://schemas.microsoft.com/office/powerpoint/2010/main" Requires="p14">
+      <p:transition spd="med">
+        <p14:pan/>
+      </p:transition>
+    </mc:Choice>
+    <mc:Fallback>
+      <p:transition xmlns:p14="http://schemas.microsoft.com/office/powerpoint/2010/main" spd="med">
+        <p:fade/>
+      </p:transition>
+    </mc:Fallback>
+  </mc:AlternateContent>
+  <p:timing>
+    <p:tnLst>
+      <p:par>
+        <p:cTn xmlns:p14="http://schemas.microsoft.com/office/powerpoint/2010/main" id="1" dur="indefinite" restart="never" nodeType="tmRoot"/>
+      </p:par>
+    </p:tnLst>
+  </p:timing>
 </p:sld>
 </file>
 
@@ -6570,47 +7899,6 @@
               <a:rPr lang="en-US" dirty="0" smtClean="0"/>
               <a:t>Motivation &amp; Existing methods</a:t>
             </a:r>
-            <a:endParaRPr lang="en-US" dirty="0"/>
-          </a:p>
-        </p:txBody>
-      </p:sp>
-      <p:sp>
-        <p:nvSpPr>
-          <p:cNvPr id="4" name="Content Placeholder 3"/>
-          <p:cNvSpPr>
-            <a:spLocks noGrp="1"/>
-          </p:cNvSpPr>
-          <p:nvPr>
-            <p:ph sz="half" idx="1"/>
-          </p:nvPr>
-        </p:nvSpPr>
-        <p:spPr>
-          <a:xfrm>
-            <a:off x="390799" y="1600200"/>
-            <a:ext cx="4038600" cy="4525963"/>
-          </a:xfrm>
-        </p:spPr>
-        <p:txBody>
-          <a:bodyPr/>
-          <a:lstStyle/>
-          <a:p>
-            <a:r>
-              <a:rPr lang="en-US" dirty="0" err="1" smtClean="0"/>
-              <a:t>Djikstra</a:t>
-            </a:r>
-            <a:r>
-              <a:rPr lang="en-US" dirty="0" smtClean="0"/>
-              <a:t> Algorithm</a:t>
-            </a:r>
-          </a:p>
-          <a:p>
-            <a:pPr lvl="1"/>
-            <a:r>
-              <a:rPr lang="en-US" dirty="0" smtClean="0"/>
-              <a:t>Not precise enough</a:t>
-            </a:r>
-          </a:p>
-          <a:p>
             <a:endParaRPr lang="en-US" dirty="0"/>
           </a:p>
         </p:txBody>
@@ -6895,6 +8183,45 @@
           </a:fontRef>
         </p:style>
       </p:cxnSp>
+      <p:sp>
+        <p:nvSpPr>
+          <p:cNvPr id="20" name="Content Placeholder 3"/>
+          <p:cNvSpPr>
+            <a:spLocks noGrp="1"/>
+          </p:cNvSpPr>
+          <p:nvPr>
+            <p:ph sz="half" idx="1"/>
+          </p:nvPr>
+        </p:nvSpPr>
+        <p:spPr>
+          <a:xfrm>
+            <a:off x="457200" y="1600200"/>
+            <a:ext cx="4038600" cy="4525963"/>
+          </a:xfrm>
+        </p:spPr>
+        <p:txBody>
+          <a:bodyPr/>
+          <a:lstStyle/>
+          <a:p>
+            <a:r>
+              <a:rPr lang="en-US" dirty="0" err="1" smtClean="0"/>
+              <a:t>Djikstra</a:t>
+            </a:r>
+            <a:r>
+              <a:rPr lang="en-US" dirty="0" smtClean="0"/>
+              <a:t> Algorithm</a:t>
+            </a:r>
+          </a:p>
+          <a:p>
+            <a:pPr lvl="1"/>
+            <a:r>
+              <a:rPr lang="en-US" dirty="0" smtClean="0"/>
+              <a:t>Not precise enough</a:t>
+            </a:r>
+            <a:endParaRPr lang="en-US" dirty="0"/>
+          </a:p>
+        </p:txBody>
+      </p:sp>
     </p:spTree>
     <p:extLst>
       <p:ext uri="{BB962C8B-B14F-4D97-AF65-F5344CB8AC3E}">
@@ -6905,6 +8232,25 @@
   <p:clrMapOvr>
     <a:masterClrMapping/>
   </p:clrMapOvr>
+  <mc:AlternateContent xmlns:mc="http://schemas.openxmlformats.org/markup-compatibility/2006">
+    <mc:Choice xmlns:p14="http://schemas.microsoft.com/office/powerpoint/2010/main" Requires="p14">
+      <p:transition p14:dur="100">
+        <p:cut/>
+      </p:transition>
+    </mc:Choice>
+    <mc:Fallback>
+      <p:transition xmlns:p14="http://schemas.microsoft.com/office/powerpoint/2010/main">
+        <p:cut/>
+      </p:transition>
+    </mc:Fallback>
+  </mc:AlternateContent>
+  <p:timing>
+    <p:tnLst>
+      <p:par>
+        <p:cTn xmlns:p14="http://schemas.microsoft.com/office/powerpoint/2010/main" id="1" dur="indefinite" restart="never" nodeType="tmRoot"/>
+      </p:par>
+    </p:tnLst>
+  </p:timing>
 </p:sld>
 </file>
 
@@ -7432,6 +8778,25 @@
   <p:clrMapOvr>
     <a:masterClrMapping/>
   </p:clrMapOvr>
+  <mc:AlternateContent xmlns:mc="http://schemas.openxmlformats.org/markup-compatibility/2006">
+    <mc:Choice xmlns:p14="http://schemas.microsoft.com/office/powerpoint/2010/main" Requires="p14">
+      <p:transition p14:dur="100">
+        <p:cut/>
+      </p:transition>
+    </mc:Choice>
+    <mc:Fallback>
+      <p:transition xmlns:p14="http://schemas.microsoft.com/office/powerpoint/2010/main">
+        <p:cut/>
+      </p:transition>
+    </mc:Fallback>
+  </mc:AlternateContent>
+  <p:timing>
+    <p:tnLst>
+      <p:par>
+        <p:cTn xmlns:p14="http://schemas.microsoft.com/office/powerpoint/2010/main" id="1" dur="indefinite" restart="never" nodeType="tmRoot"/>
+      </p:par>
+    </p:tnLst>
+  </p:timing>
 </p:sld>
 </file>
 
@@ -7535,6 +8900,25 @@
   <p:clrMapOvr>
     <a:masterClrMapping/>
   </p:clrMapOvr>
+  <mc:AlternateContent xmlns:mc="http://schemas.openxmlformats.org/markup-compatibility/2006">
+    <mc:Choice xmlns:p14="http://schemas.microsoft.com/office/powerpoint/2010/main" Requires="p14">
+      <p:transition spd="med">
+        <p14:pan/>
+      </p:transition>
+    </mc:Choice>
+    <mc:Fallback>
+      <p:transition xmlns:p14="http://schemas.microsoft.com/office/powerpoint/2010/main" spd="med">
+        <p:fade/>
+      </p:transition>
+    </mc:Fallback>
+  </mc:AlternateContent>
+  <p:timing>
+    <p:tnLst>
+      <p:par>
+        <p:cTn xmlns:p14="http://schemas.microsoft.com/office/powerpoint/2010/main" id="1" dur="indefinite" restart="never" nodeType="tmRoot"/>
+      </p:par>
+    </p:tnLst>
+  </p:timing>
 </p:sld>
 </file>
 
@@ -7807,6 +9191,25 @@
   <p:clrMapOvr>
     <a:masterClrMapping/>
   </p:clrMapOvr>
+  <mc:AlternateContent xmlns:mc="http://schemas.openxmlformats.org/markup-compatibility/2006">
+    <mc:Choice xmlns:p14="http://schemas.microsoft.com/office/powerpoint/2010/main" Requires="p14">
+      <p:transition p14:dur="100">
+        <p:cut/>
+      </p:transition>
+    </mc:Choice>
+    <mc:Fallback>
+      <p:transition xmlns:p14="http://schemas.microsoft.com/office/powerpoint/2010/main">
+        <p:cut/>
+      </p:transition>
+    </mc:Fallback>
+  </mc:AlternateContent>
+  <p:timing>
+    <p:tnLst>
+      <p:par>
+        <p:cTn xmlns:p14="http://schemas.microsoft.com/office/powerpoint/2010/main" id="1" dur="indefinite" restart="never" nodeType="tmRoot"/>
+      </p:par>
+    </p:tnLst>
+  </p:timing>
 </p:sld>
 </file>
 
@@ -7902,20 +9305,23 @@
             <p:ph sz="half" idx="1"/>
           </p:nvPr>
         </p:nvPicPr>
-        <p:blipFill>
-          <a:blip r:embed="rId2">
+        <p:blipFill rotWithShape="1">
+          <a:blip>
             <a:extLst>
               <a:ext uri="{28A0092B-C50C-407E-A947-70E740481C1C}">
                 <a14:useLocalDpi xmlns:a14="http://schemas.microsoft.com/office/drawing/2010/main" val="0"/>
               </a:ext>
             </a:extLst>
           </a:blip>
-          <a:srcRect l="16538" r="16538"/>
-          <a:stretch>
-            <a:fillRect/>
-          </a:stretch>
+          <a:srcRect l="23510" r="11021"/>
+          <a:stretch/>
         </p:blipFill>
-        <p:spPr/>
+        <p:spPr>
+          <a:xfrm>
+            <a:off x="627102" y="1600200"/>
+            <a:ext cx="3950772" cy="4525963"/>
+          </a:xfrm>
+        </p:spPr>
       </p:pic>
     </p:spTree>
     <p:extLst>
@@ -7927,6 +9333,25 @@
   <p:clrMapOvr>
     <a:masterClrMapping/>
   </p:clrMapOvr>
+  <mc:AlternateContent xmlns:mc="http://schemas.openxmlformats.org/markup-compatibility/2006">
+    <mc:Choice xmlns:p14="http://schemas.microsoft.com/office/powerpoint/2010/main" Requires="p14">
+      <p:transition p14:dur="100">
+        <p:cut/>
+      </p:transition>
+    </mc:Choice>
+    <mc:Fallback>
+      <p:transition xmlns:p14="http://schemas.microsoft.com/office/powerpoint/2010/main">
+        <p:cut/>
+      </p:transition>
+    </mc:Fallback>
+  </mc:AlternateContent>
+  <p:timing>
+    <p:tnLst>
+      <p:par>
+        <p:cTn xmlns:p14="http://schemas.microsoft.com/office/powerpoint/2010/main" id="1" dur="indefinite" restart="never" nodeType="tmRoot"/>
+      </p:par>
+    </p:tnLst>
+  </p:timing>
 </p:sld>
 </file>
 
@@ -8428,6 +9853,25 @@
   <p:clrMapOvr>
     <a:masterClrMapping/>
   </p:clrMapOvr>
+  <mc:AlternateContent xmlns:mc="http://schemas.openxmlformats.org/markup-compatibility/2006">
+    <mc:Choice xmlns:p14="http://schemas.microsoft.com/office/powerpoint/2010/main" Requires="p14">
+      <p:transition p14:dur="100">
+        <p:cut/>
+      </p:transition>
+    </mc:Choice>
+    <mc:Fallback>
+      <p:transition xmlns:p14="http://schemas.microsoft.com/office/powerpoint/2010/main">
+        <p:cut/>
+      </p:transition>
+    </mc:Fallback>
+  </mc:AlternateContent>
+  <p:timing>
+    <p:tnLst>
+      <p:par>
+        <p:cTn xmlns:p14="http://schemas.microsoft.com/office/powerpoint/2010/main" id="1" dur="indefinite" restart="never" nodeType="tmRoot"/>
+      </p:par>
+    </p:tnLst>
+  </p:timing>
 </p:sld>
 </file>
 

--- a/presentation.pptx
+++ b/presentation.pptx
@@ -370,13 +370,13 @@
   <p:clrMapOvr>
     <a:masterClrMapping/>
   </p:clrMapOvr>
-  <mc:AlternateContent xmlns:mc="http://schemas.openxmlformats.org/markup-compatibility/2006">
-    <mc:Choice xmlns:p14="http://schemas.microsoft.com/office/powerpoint/2010/main" Requires="p14">
+  <mc:AlternateContent xmlns:mc="http://schemas.openxmlformats.org/markup-compatibility/2006" xmlns:p14="http://schemas.microsoft.com/office/powerpoint/2010/main">
+    <mc:Choice Requires="p14">
       <p:transition spd="med">
         <p14:pan/>
       </p:transition>
     </mc:Choice>
-    <mc:Fallback>
+    <mc:Fallback xmlns="">
       <p:transition xmlns:p14="http://schemas.microsoft.com/office/powerpoint/2010/main" spd="med">
         <p:fade/>
       </p:transition>
@@ -552,13 +552,13 @@
   <p:clrMapOvr>
     <a:masterClrMapping/>
   </p:clrMapOvr>
-  <mc:AlternateContent xmlns:mc="http://schemas.openxmlformats.org/markup-compatibility/2006">
-    <mc:Choice xmlns:p14="http://schemas.microsoft.com/office/powerpoint/2010/main" Requires="p14">
+  <mc:AlternateContent xmlns:mc="http://schemas.openxmlformats.org/markup-compatibility/2006" xmlns:p14="http://schemas.microsoft.com/office/powerpoint/2010/main">
+    <mc:Choice Requires="p14">
       <p:transition spd="med">
         <p14:pan/>
       </p:transition>
     </mc:Choice>
-    <mc:Fallback>
+    <mc:Fallback xmlns="">
       <p:transition xmlns:p14="http://schemas.microsoft.com/office/powerpoint/2010/main" spd="med">
         <p:fade/>
       </p:transition>
@@ -744,13 +744,13 @@
   <p:clrMapOvr>
     <a:masterClrMapping/>
   </p:clrMapOvr>
-  <mc:AlternateContent xmlns:mc="http://schemas.openxmlformats.org/markup-compatibility/2006">
-    <mc:Choice xmlns:p14="http://schemas.microsoft.com/office/powerpoint/2010/main" Requires="p14">
+  <mc:AlternateContent xmlns:mc="http://schemas.openxmlformats.org/markup-compatibility/2006" xmlns:p14="http://schemas.microsoft.com/office/powerpoint/2010/main">
+    <mc:Choice Requires="p14">
       <p:transition spd="med">
         <p14:pan/>
       </p:transition>
     </mc:Choice>
-    <mc:Fallback>
+    <mc:Fallback xmlns="">
       <p:transition xmlns:p14="http://schemas.microsoft.com/office/powerpoint/2010/main" spd="med">
         <p:fade/>
       </p:transition>
@@ -926,13 +926,13 @@
   <p:clrMapOvr>
     <a:masterClrMapping/>
   </p:clrMapOvr>
-  <mc:AlternateContent xmlns:mc="http://schemas.openxmlformats.org/markup-compatibility/2006">
-    <mc:Choice xmlns:p14="http://schemas.microsoft.com/office/powerpoint/2010/main" Requires="p14">
+  <mc:AlternateContent xmlns:mc="http://schemas.openxmlformats.org/markup-compatibility/2006" xmlns:p14="http://schemas.microsoft.com/office/powerpoint/2010/main">
+    <mc:Choice Requires="p14">
       <p:transition spd="med">
         <p14:pan/>
       </p:transition>
     </mc:Choice>
-    <mc:Fallback>
+    <mc:Fallback xmlns="">
       <p:transition xmlns:p14="http://schemas.microsoft.com/office/powerpoint/2010/main" spd="med">
         <p:fade/>
       </p:transition>
@@ -1184,13 +1184,13 @@
   <p:clrMapOvr>
     <a:masterClrMapping/>
   </p:clrMapOvr>
-  <mc:AlternateContent xmlns:mc="http://schemas.openxmlformats.org/markup-compatibility/2006">
-    <mc:Choice xmlns:p14="http://schemas.microsoft.com/office/powerpoint/2010/main" Requires="p14">
+  <mc:AlternateContent xmlns:mc="http://schemas.openxmlformats.org/markup-compatibility/2006" xmlns:p14="http://schemas.microsoft.com/office/powerpoint/2010/main">
+    <mc:Choice Requires="p14">
       <p:transition spd="med">
         <p14:pan/>
       </p:transition>
     </mc:Choice>
-    <mc:Fallback>
+    <mc:Fallback xmlns="">
       <p:transition xmlns:p14="http://schemas.microsoft.com/office/powerpoint/2010/main" spd="med">
         <p:fade/>
       </p:transition>
@@ -1484,13 +1484,13 @@
   <p:clrMapOvr>
     <a:masterClrMapping/>
   </p:clrMapOvr>
-  <mc:AlternateContent xmlns:mc="http://schemas.openxmlformats.org/markup-compatibility/2006">
-    <mc:Choice xmlns:p14="http://schemas.microsoft.com/office/powerpoint/2010/main" Requires="p14">
+  <mc:AlternateContent xmlns:mc="http://schemas.openxmlformats.org/markup-compatibility/2006" xmlns:p14="http://schemas.microsoft.com/office/powerpoint/2010/main">
+    <mc:Choice Requires="p14">
       <p:transition spd="med">
         <p14:pan/>
       </p:transition>
     </mc:Choice>
-    <mc:Fallback>
+    <mc:Fallback xmlns="">
       <p:transition xmlns:p14="http://schemas.microsoft.com/office/powerpoint/2010/main" spd="med">
         <p:fade/>
       </p:transition>
@@ -1918,13 +1918,13 @@
   <p:clrMapOvr>
     <a:masterClrMapping/>
   </p:clrMapOvr>
-  <mc:AlternateContent xmlns:mc="http://schemas.openxmlformats.org/markup-compatibility/2006">
-    <mc:Choice xmlns:p14="http://schemas.microsoft.com/office/powerpoint/2010/main" Requires="p14">
+  <mc:AlternateContent xmlns:mc="http://schemas.openxmlformats.org/markup-compatibility/2006" xmlns:p14="http://schemas.microsoft.com/office/powerpoint/2010/main">
+    <mc:Choice Requires="p14">
       <p:transition spd="med">
         <p14:pan/>
       </p:transition>
     </mc:Choice>
-    <mc:Fallback>
+    <mc:Fallback xmlns="">
       <p:transition xmlns:p14="http://schemas.microsoft.com/office/powerpoint/2010/main" spd="med">
         <p:fade/>
       </p:transition>
@@ -2048,13 +2048,13 @@
   <p:clrMapOvr>
     <a:masterClrMapping/>
   </p:clrMapOvr>
-  <mc:AlternateContent xmlns:mc="http://schemas.openxmlformats.org/markup-compatibility/2006">
-    <mc:Choice xmlns:p14="http://schemas.microsoft.com/office/powerpoint/2010/main" Requires="p14">
+  <mc:AlternateContent xmlns:mc="http://schemas.openxmlformats.org/markup-compatibility/2006" xmlns:p14="http://schemas.microsoft.com/office/powerpoint/2010/main">
+    <mc:Choice Requires="p14">
       <p:transition spd="med">
         <p14:pan/>
       </p:transition>
     </mc:Choice>
-    <mc:Fallback>
+    <mc:Fallback xmlns="">
       <p:transition xmlns:p14="http://schemas.microsoft.com/office/powerpoint/2010/main" spd="med">
         <p:fade/>
       </p:transition>
@@ -2155,13 +2155,13 @@
   <p:clrMapOvr>
     <a:masterClrMapping/>
   </p:clrMapOvr>
-  <mc:AlternateContent xmlns:mc="http://schemas.openxmlformats.org/markup-compatibility/2006">
-    <mc:Choice xmlns:p14="http://schemas.microsoft.com/office/powerpoint/2010/main" Requires="p14">
+  <mc:AlternateContent xmlns:mc="http://schemas.openxmlformats.org/markup-compatibility/2006" xmlns:p14="http://schemas.microsoft.com/office/powerpoint/2010/main">
+    <mc:Choice Requires="p14">
       <p:transition spd="med">
         <p14:pan/>
       </p:transition>
     </mc:Choice>
-    <mc:Fallback>
+    <mc:Fallback xmlns="">
       <p:transition xmlns:p14="http://schemas.microsoft.com/office/powerpoint/2010/main" spd="med">
         <p:fade/>
       </p:transition>
@@ -2444,13 +2444,13 @@
   <p:clrMapOvr>
     <a:masterClrMapping/>
   </p:clrMapOvr>
-  <mc:AlternateContent xmlns:mc="http://schemas.openxmlformats.org/markup-compatibility/2006">
-    <mc:Choice xmlns:p14="http://schemas.microsoft.com/office/powerpoint/2010/main" Requires="p14">
+  <mc:AlternateContent xmlns:mc="http://schemas.openxmlformats.org/markup-compatibility/2006" xmlns:p14="http://schemas.microsoft.com/office/powerpoint/2010/main">
+    <mc:Choice Requires="p14">
       <p:transition spd="med">
         <p14:pan/>
       </p:transition>
     </mc:Choice>
-    <mc:Fallback>
+    <mc:Fallback xmlns="">
       <p:transition xmlns:p14="http://schemas.microsoft.com/office/powerpoint/2010/main" spd="med">
         <p:fade/>
       </p:transition>
@@ -2709,13 +2709,13 @@
   <p:clrMapOvr>
     <a:masterClrMapping/>
   </p:clrMapOvr>
-  <mc:AlternateContent xmlns:mc="http://schemas.openxmlformats.org/markup-compatibility/2006">
-    <mc:Choice xmlns:p14="http://schemas.microsoft.com/office/powerpoint/2010/main" Requires="p14">
+  <mc:AlternateContent xmlns:mc="http://schemas.openxmlformats.org/markup-compatibility/2006" xmlns:p14="http://schemas.microsoft.com/office/powerpoint/2010/main">
+    <mc:Choice Requires="p14">
       <p:transition spd="med">
         <p14:pan/>
       </p:transition>
     </mc:Choice>
-    <mc:Fallback>
+    <mc:Fallback xmlns="">
       <p:transition xmlns:p14="http://schemas.microsoft.com/office/powerpoint/2010/main" spd="med">
         <p:fade/>
       </p:transition>
@@ -3028,13 +3028,13 @@
     <p:sldLayoutId id="2147483658" r:id="rId10"/>
     <p:sldLayoutId id="2147483659" r:id="rId11"/>
   </p:sldLayoutIdLst>
-  <mc:AlternateContent xmlns:mc="http://schemas.openxmlformats.org/markup-compatibility/2006">
-    <mc:Choice xmlns:p14="http://schemas.microsoft.com/office/powerpoint/2010/main" Requires="p14">
+  <mc:AlternateContent xmlns:mc="http://schemas.openxmlformats.org/markup-compatibility/2006" xmlns:p14="http://schemas.microsoft.com/office/powerpoint/2010/main">
+    <mc:Choice Requires="p14">
       <p:transition spd="med">
         <p14:pan/>
       </p:transition>
     </mc:Choice>
-    <mc:Fallback>
+    <mc:Fallback xmlns="">
       <p:transition xmlns:p14="http://schemas.microsoft.com/office/powerpoint/2010/main" spd="med">
         <p:fade/>
       </p:transition>
@@ -3380,13 +3380,13 @@
   <p:clrMapOvr>
     <a:masterClrMapping/>
   </p:clrMapOvr>
-  <mc:AlternateContent xmlns:mc="http://schemas.openxmlformats.org/markup-compatibility/2006">
-    <mc:Choice xmlns:p14="http://schemas.microsoft.com/office/powerpoint/2010/main" Requires="p14">
+  <mc:AlternateContent xmlns:mc="http://schemas.openxmlformats.org/markup-compatibility/2006" xmlns:p14="http://schemas.microsoft.com/office/powerpoint/2010/main">
+    <mc:Choice Requires="p14">
       <p:transition spd="med">
         <p14:pan/>
       </p:transition>
     </mc:Choice>
-    <mc:Fallback>
+    <mc:Fallback xmlns="">
       <p:transition xmlns:p14="http://schemas.microsoft.com/office/powerpoint/2010/main" spd="med">
         <p:fade/>
       </p:transition>
@@ -3738,6 +3738,37 @@
           </a:graphicData>
         </a:graphic>
       </p:graphicFrame>
+      <p:pic>
+        <p:nvPicPr>
+          <p:cNvPr id="5" name="Content Placeholder 6" descr="case 4.png"/>
+          <p:cNvPicPr>
+            <a:picLocks noChangeAspect="1"/>
+          </p:cNvPicPr>
+          <p:nvPr/>
+        </p:nvPicPr>
+        <p:blipFill>
+          <a:blip r:embed="rId2">
+            <a:extLst>
+              <a:ext uri="{28A0092B-C50C-407E-A947-70E740481C1C}">
+                <a14:useLocalDpi xmlns:a14="http://schemas.microsoft.com/office/drawing/2010/main" val="0"/>
+              </a:ext>
+            </a:extLst>
+          </a:blip>
+          <a:srcRect l="16538" r="16538"/>
+          <a:stretch>
+            <a:fillRect/>
+          </a:stretch>
+        </p:blipFill>
+        <p:spPr>
+          <a:xfrm>
+            <a:off x="275991" y="2219468"/>
+            <a:ext cx="4004012" cy="4487200"/>
+          </a:xfrm>
+          <a:prstGeom prst="rect">
+            <a:avLst/>
+          </a:prstGeom>
+        </p:spPr>
+      </p:pic>
     </p:spTree>
     <p:extLst>
       <p:ext uri="{BB962C8B-B14F-4D97-AF65-F5344CB8AC3E}">
@@ -3748,13 +3779,13 @@
   <p:clrMapOvr>
     <a:masterClrMapping/>
   </p:clrMapOvr>
-  <mc:AlternateContent xmlns:mc="http://schemas.openxmlformats.org/markup-compatibility/2006">
-    <mc:Choice xmlns:p14="http://schemas.microsoft.com/office/powerpoint/2010/main" Requires="p14">
+  <mc:AlternateContent xmlns:mc="http://schemas.openxmlformats.org/markup-compatibility/2006" xmlns:p14="http://schemas.microsoft.com/office/powerpoint/2010/main">
+    <mc:Choice Requires="p14">
       <p:transition spd="med">
         <p14:pan/>
       </p:transition>
     </mc:Choice>
-    <mc:Fallback>
+    <mc:Fallback xmlns="">
       <p:transition xmlns:p14="http://schemas.microsoft.com/office/powerpoint/2010/main" spd="med">
         <p:fade/>
       </p:transition>
@@ -3870,13 +3901,13 @@
   <p:clrMapOvr>
     <a:masterClrMapping/>
   </p:clrMapOvr>
-  <mc:AlternateContent xmlns:mc="http://schemas.openxmlformats.org/markup-compatibility/2006">
-    <mc:Choice xmlns:p14="http://schemas.microsoft.com/office/powerpoint/2010/main" Requires="p14">
+  <mc:AlternateContent xmlns:mc="http://schemas.openxmlformats.org/markup-compatibility/2006" xmlns:p14="http://schemas.microsoft.com/office/powerpoint/2010/main">
+    <mc:Choice Requires="p14">
       <p:transition p14:dur="100">
         <p:cut/>
       </p:transition>
     </mc:Choice>
-    <mc:Fallback>
+    <mc:Fallback xmlns="">
       <p:transition xmlns:p14="http://schemas.microsoft.com/office/powerpoint/2010/main">
         <p:cut/>
       </p:transition>
@@ -3995,13 +4026,13 @@
   <p:clrMapOvr>
     <a:masterClrMapping/>
   </p:clrMapOvr>
-  <mc:AlternateContent xmlns:mc="http://schemas.openxmlformats.org/markup-compatibility/2006">
-    <mc:Choice xmlns:p14="http://schemas.microsoft.com/office/powerpoint/2010/main" Requires="p14">
+  <mc:AlternateContent xmlns:mc="http://schemas.openxmlformats.org/markup-compatibility/2006" xmlns:p14="http://schemas.microsoft.com/office/powerpoint/2010/main">
+    <mc:Choice Requires="p14">
       <p:transition spd="med">
         <p14:pan/>
       </p:transition>
     </mc:Choice>
-    <mc:Fallback>
+    <mc:Fallback xmlns="">
       <p:transition xmlns:p14="http://schemas.microsoft.com/office/powerpoint/2010/main" spd="med">
         <p:fade/>
       </p:transition>
@@ -4128,13 +4159,13 @@
   <p:clrMapOvr>
     <a:masterClrMapping/>
   </p:clrMapOvr>
-  <mc:AlternateContent xmlns:mc="http://schemas.openxmlformats.org/markup-compatibility/2006">
-    <mc:Choice xmlns:p14="http://schemas.microsoft.com/office/powerpoint/2010/main" Requires="p14">
+  <mc:AlternateContent xmlns:mc="http://schemas.openxmlformats.org/markup-compatibility/2006" xmlns:p14="http://schemas.microsoft.com/office/powerpoint/2010/main">
+    <mc:Choice Requires="p14">
       <p:transition p14:dur="100">
         <p:cut/>
       </p:transition>
     </mc:Choice>
-    <mc:Fallback>
+    <mc:Fallback xmlns="">
       <p:transition xmlns:p14="http://schemas.microsoft.com/office/powerpoint/2010/main">
         <p:cut/>
       </p:transition>
@@ -4622,13 +4653,13 @@
   <p:clrMapOvr>
     <a:masterClrMapping/>
   </p:clrMapOvr>
-  <mc:AlternateContent xmlns:mc="http://schemas.openxmlformats.org/markup-compatibility/2006">
-    <mc:Choice xmlns:p14="http://schemas.microsoft.com/office/powerpoint/2010/main" Requires="p14">
+  <mc:AlternateContent xmlns:mc="http://schemas.openxmlformats.org/markup-compatibility/2006" xmlns:p14="http://schemas.microsoft.com/office/powerpoint/2010/main">
+    <mc:Choice Requires="p14">
       <p:transition spd="med">
         <p14:pan/>
       </p:transition>
     </mc:Choice>
-    <mc:Fallback>
+    <mc:Fallback xmlns="">
       <p:transition xmlns:p14="http://schemas.microsoft.com/office/powerpoint/2010/main" spd="med">
         <p:fade/>
       </p:transition>
@@ -5130,13 +5161,13 @@
   <p:clrMapOvr>
     <a:masterClrMapping/>
   </p:clrMapOvr>
-  <mc:AlternateContent xmlns:mc="http://schemas.openxmlformats.org/markup-compatibility/2006">
-    <mc:Choice xmlns:p14="http://schemas.microsoft.com/office/powerpoint/2010/main" Requires="p14">
+  <mc:AlternateContent xmlns:mc="http://schemas.openxmlformats.org/markup-compatibility/2006" xmlns:p14="http://schemas.microsoft.com/office/powerpoint/2010/main">
+    <mc:Choice Requires="p14">
       <p:transition p14:dur="100">
         <p:cut/>
       </p:transition>
     </mc:Choice>
-    <mc:Fallback>
+    <mc:Fallback xmlns="">
       <p:transition xmlns:p14="http://schemas.microsoft.com/office/powerpoint/2010/main">
         <p:cut/>
       </p:transition>
@@ -5362,13 +5393,13 @@
   <p:clrMapOvr>
     <a:masterClrMapping/>
   </p:clrMapOvr>
-  <mc:AlternateContent xmlns:mc="http://schemas.openxmlformats.org/markup-compatibility/2006">
-    <mc:Choice xmlns:p14="http://schemas.microsoft.com/office/powerpoint/2010/main" Requires="p14">
+  <mc:AlternateContent xmlns:mc="http://schemas.openxmlformats.org/markup-compatibility/2006" xmlns:p14="http://schemas.microsoft.com/office/powerpoint/2010/main">
+    <mc:Choice Requires="p14">
       <p:transition spd="med">
         <p14:pan/>
       </p:transition>
     </mc:Choice>
-    <mc:Fallback>
+    <mc:Fallback xmlns="">
       <p:transition xmlns:p14="http://schemas.microsoft.com/office/powerpoint/2010/main" spd="med">
         <p:fade/>
       </p:transition>
@@ -5814,13 +5845,13 @@
   <p:clrMapOvr>
     <a:masterClrMapping/>
   </p:clrMapOvr>
-  <mc:AlternateContent xmlns:mc="http://schemas.openxmlformats.org/markup-compatibility/2006">
-    <mc:Choice xmlns:p14="http://schemas.microsoft.com/office/powerpoint/2010/main" Requires="p14">
+  <mc:AlternateContent xmlns:mc="http://schemas.openxmlformats.org/markup-compatibility/2006" xmlns:p14="http://schemas.microsoft.com/office/powerpoint/2010/main">
+    <mc:Choice Requires="p14">
       <p:transition p14:dur="100">
         <p:cut/>
       </p:transition>
     </mc:Choice>
-    <mc:Fallback>
+    <mc:Fallback xmlns="">
       <p:transition xmlns:p14="http://schemas.microsoft.com/office/powerpoint/2010/main">
         <p:cut/>
       </p:transition>
@@ -6142,13 +6173,13 @@
   <p:clrMapOvr>
     <a:masterClrMapping/>
   </p:clrMapOvr>
-  <mc:AlternateContent xmlns:mc="http://schemas.openxmlformats.org/markup-compatibility/2006">
-    <mc:Choice xmlns:p14="http://schemas.microsoft.com/office/powerpoint/2010/main" Requires="p14">
+  <mc:AlternateContent xmlns:mc="http://schemas.openxmlformats.org/markup-compatibility/2006" xmlns:p14="http://schemas.microsoft.com/office/powerpoint/2010/main">
+    <mc:Choice Requires="p14">
       <p:transition spd="med">
         <p14:pan/>
       </p:transition>
     </mc:Choice>
-    <mc:Fallback>
+    <mc:Fallback xmlns="">
       <p:transition xmlns:p14="http://schemas.microsoft.com/office/powerpoint/2010/main" spd="med">
         <p:fade/>
       </p:transition>
@@ -6264,13 +6295,13 @@
   <p:clrMapOvr>
     <a:masterClrMapping/>
   </p:clrMapOvr>
-  <mc:AlternateContent xmlns:mc="http://schemas.openxmlformats.org/markup-compatibility/2006">
-    <mc:Choice xmlns:p14="http://schemas.microsoft.com/office/powerpoint/2010/main" Requires="p14">
+  <mc:AlternateContent xmlns:mc="http://schemas.openxmlformats.org/markup-compatibility/2006" xmlns:p14="http://schemas.microsoft.com/office/powerpoint/2010/main">
+    <mc:Choice Requires="p14">
       <p:transition p14:dur="100">
         <p:cut/>
       </p:transition>
     </mc:Choice>
-    <mc:Fallback>
+    <mc:Fallback xmlns="">
       <p:transition xmlns:p14="http://schemas.microsoft.com/office/powerpoint/2010/main">
         <p:cut/>
       </p:transition>
@@ -6384,13 +6415,13 @@
   <p:clrMapOvr>
     <a:masterClrMapping/>
   </p:clrMapOvr>
-  <mc:AlternateContent xmlns:mc="http://schemas.openxmlformats.org/markup-compatibility/2006">
-    <mc:Choice xmlns:p14="http://schemas.microsoft.com/office/powerpoint/2010/main" Requires="p14">
+  <mc:AlternateContent xmlns:mc="http://schemas.openxmlformats.org/markup-compatibility/2006" xmlns:p14="http://schemas.microsoft.com/office/powerpoint/2010/main">
+    <mc:Choice Requires="p14">
       <p:transition spd="med">
         <p14:pan/>
       </p:transition>
     </mc:Choice>
-    <mc:Fallback>
+    <mc:Fallback xmlns="">
       <p:transition xmlns:p14="http://schemas.microsoft.com/office/powerpoint/2010/main" spd="med">
         <p:fade/>
       </p:transition>
@@ -6962,13 +6993,13 @@
   <p:clrMapOvr>
     <a:masterClrMapping/>
   </p:clrMapOvr>
-  <mc:AlternateContent xmlns:mc="http://schemas.openxmlformats.org/markup-compatibility/2006">
-    <mc:Choice xmlns:p14="http://schemas.microsoft.com/office/powerpoint/2010/main" Requires="p14">
+  <mc:AlternateContent xmlns:mc="http://schemas.openxmlformats.org/markup-compatibility/2006" xmlns:p14="http://schemas.microsoft.com/office/powerpoint/2010/main">
+    <mc:Choice Requires="p14">
       <p:transition p14:dur="100">
         <p:cut/>
       </p:transition>
     </mc:Choice>
-    <mc:Fallback>
+    <mc:Fallback xmlns="">
       <p:transition xmlns:p14="http://schemas.microsoft.com/office/powerpoint/2010/main">
         <p:cut/>
       </p:transition>
@@ -7117,13 +7148,13 @@
   <p:clrMapOvr>
     <a:masterClrMapping/>
   </p:clrMapOvr>
-  <mc:AlternateContent xmlns:mc="http://schemas.openxmlformats.org/markup-compatibility/2006">
-    <mc:Choice xmlns:p14="http://schemas.microsoft.com/office/powerpoint/2010/main" Requires="p14">
+  <mc:AlternateContent xmlns:mc="http://schemas.openxmlformats.org/markup-compatibility/2006" xmlns:p14="http://schemas.microsoft.com/office/powerpoint/2010/main">
+    <mc:Choice Requires="p14">
       <p:transition spd="med">
         <p14:pan/>
       </p:transition>
     </mc:Choice>
-    <mc:Fallback>
+    <mc:Fallback xmlns="">
       <p:transition xmlns:p14="http://schemas.microsoft.com/office/powerpoint/2010/main" spd="med">
         <p:fade/>
       </p:transition>
@@ -7367,13 +7398,13 @@
   <p:clrMapOvr>
     <a:masterClrMapping/>
   </p:clrMapOvr>
-  <mc:AlternateContent xmlns:mc="http://schemas.openxmlformats.org/markup-compatibility/2006">
-    <mc:Choice xmlns:p14="http://schemas.microsoft.com/office/powerpoint/2010/main" Requires="p14">
+  <mc:AlternateContent xmlns:mc="http://schemas.openxmlformats.org/markup-compatibility/2006" xmlns:p14="http://schemas.microsoft.com/office/powerpoint/2010/main">
+    <mc:Choice Requires="p14">
       <p:transition p14:dur="100">
         <p:cut/>
       </p:transition>
     </mc:Choice>
-    <mc:Fallback>
+    <mc:Fallback xmlns="">
       <p:transition xmlns:p14="http://schemas.microsoft.com/office/powerpoint/2010/main">
         <p:cut/>
       </p:transition>
@@ -7495,13 +7526,13 @@
   <p:clrMapOvr>
     <a:masterClrMapping/>
   </p:clrMapOvr>
-  <mc:AlternateContent xmlns:mc="http://schemas.openxmlformats.org/markup-compatibility/2006">
-    <mc:Choice xmlns:p14="http://schemas.microsoft.com/office/powerpoint/2010/main" Requires="p14">
+  <mc:AlternateContent xmlns:mc="http://schemas.openxmlformats.org/markup-compatibility/2006" xmlns:p14="http://schemas.microsoft.com/office/powerpoint/2010/main">
+    <mc:Choice Requires="p14">
       <p:transition p14:dur="100">
         <p:cut/>
       </p:transition>
     </mc:Choice>
-    <mc:Fallback>
+    <mc:Fallback xmlns="">
       <p:transition xmlns:p14="http://schemas.microsoft.com/office/powerpoint/2010/main">
         <p:cut/>
       </p:transition>
@@ -7623,13 +7654,13 @@
   <p:clrMapOvr>
     <a:masterClrMapping/>
   </p:clrMapOvr>
-  <mc:AlternateContent xmlns:mc="http://schemas.openxmlformats.org/markup-compatibility/2006">
-    <mc:Choice xmlns:p14="http://schemas.microsoft.com/office/powerpoint/2010/main" Requires="p14">
+  <mc:AlternateContent xmlns:mc="http://schemas.openxmlformats.org/markup-compatibility/2006" xmlns:p14="http://schemas.microsoft.com/office/powerpoint/2010/main">
+    <mc:Choice Requires="p14">
       <p:transition p14:dur="100">
         <p:cut/>
       </p:transition>
     </mc:Choice>
-    <mc:Fallback>
+    <mc:Fallback xmlns="">
       <p:transition xmlns:p14="http://schemas.microsoft.com/office/powerpoint/2010/main">
         <p:cut/>
       </p:transition>
@@ -7718,13 +7749,13 @@
   <p:clrMapOvr>
     <a:masterClrMapping/>
   </p:clrMapOvr>
-  <mc:AlternateContent xmlns:mc="http://schemas.openxmlformats.org/markup-compatibility/2006">
-    <mc:Choice xmlns:p14="http://schemas.microsoft.com/office/powerpoint/2010/main" Requires="p14">
+  <mc:AlternateContent xmlns:mc="http://schemas.openxmlformats.org/markup-compatibility/2006" xmlns:p14="http://schemas.microsoft.com/office/powerpoint/2010/main">
+    <mc:Choice Requires="p14">
       <p:transition spd="med">
         <p14:pan/>
       </p:transition>
     </mc:Choice>
-    <mc:Fallback>
+    <mc:Fallback xmlns="">
       <p:transition xmlns:p14="http://schemas.microsoft.com/office/powerpoint/2010/main" spd="med">
         <p:fade/>
       </p:transition>
@@ -7821,11 +7852,15 @@
           <a:p>
             <a:r>
               <a:rPr lang="en-US" dirty="0" err="1" smtClean="0"/>
-              <a:t>Djikstra</a:t>
+              <a:t>Dijkstra</a:t>
             </a:r>
             <a:r>
               <a:rPr lang="en-US" dirty="0" smtClean="0"/>
-              <a:t> Algorithm</a:t>
+              <a:t> </a:t>
+            </a:r>
+            <a:r>
+              <a:rPr lang="en-US" dirty="0" smtClean="0"/>
+              <a:t>Algorithm</a:t>
             </a:r>
             <a:endParaRPr lang="en-US" dirty="0"/>
           </a:p>
@@ -7841,13 +7876,13 @@
   <p:clrMapOvr>
     <a:masterClrMapping/>
   </p:clrMapOvr>
-  <mc:AlternateContent xmlns:mc="http://schemas.openxmlformats.org/markup-compatibility/2006">
-    <mc:Choice xmlns:p14="http://schemas.microsoft.com/office/powerpoint/2010/main" Requires="p14">
+  <mc:AlternateContent xmlns:mc="http://schemas.openxmlformats.org/markup-compatibility/2006" xmlns:p14="http://schemas.microsoft.com/office/powerpoint/2010/main">
+    <mc:Choice Requires="p14">
       <p:transition spd="med">
         <p14:pan/>
       </p:transition>
     </mc:Choice>
-    <mc:Fallback>
+    <mc:Fallback xmlns="">
       <p:transition xmlns:p14="http://schemas.microsoft.com/office/powerpoint/2010/main" spd="med">
         <p:fade/>
       </p:transition>
@@ -8205,11 +8240,15 @@
           <a:p>
             <a:r>
               <a:rPr lang="en-US" dirty="0" err="1" smtClean="0"/>
-              <a:t>Djikstra</a:t>
+              <a:t>Dijkstra</a:t>
             </a:r>
             <a:r>
               <a:rPr lang="en-US" dirty="0" smtClean="0"/>
-              <a:t> Algorithm</a:t>
+              <a:t> </a:t>
+            </a:r>
+            <a:r>
+              <a:rPr lang="en-US" dirty="0" smtClean="0"/>
+              <a:t>Algorithm</a:t>
             </a:r>
           </a:p>
           <a:p>
@@ -8232,13 +8271,13 @@
   <p:clrMapOvr>
     <a:masterClrMapping/>
   </p:clrMapOvr>
-  <mc:AlternateContent xmlns:mc="http://schemas.openxmlformats.org/markup-compatibility/2006">
-    <mc:Choice xmlns:p14="http://schemas.microsoft.com/office/powerpoint/2010/main" Requires="p14">
+  <mc:AlternateContent xmlns:mc="http://schemas.openxmlformats.org/markup-compatibility/2006" xmlns:p14="http://schemas.microsoft.com/office/powerpoint/2010/main">
+    <mc:Choice Requires="p14">
       <p:transition p14:dur="100">
         <p:cut/>
       </p:transition>
     </mc:Choice>
-    <mc:Fallback>
+    <mc:Fallback xmlns="">
       <p:transition xmlns:p14="http://schemas.microsoft.com/office/powerpoint/2010/main">
         <p:cut/>
       </p:transition>
@@ -8311,11 +8350,15 @@
           <a:p>
             <a:r>
               <a:rPr lang="en-US" dirty="0" err="1" smtClean="0"/>
-              <a:t>Djikstra</a:t>
+              <a:t>Dijkstra</a:t>
             </a:r>
             <a:r>
               <a:rPr lang="en-US" dirty="0" smtClean="0"/>
-              <a:t> Algorithm</a:t>
+              <a:t> </a:t>
+            </a:r>
+            <a:r>
+              <a:rPr lang="en-US" dirty="0" smtClean="0"/>
+              <a:t>Algorithm</a:t>
             </a:r>
           </a:p>
           <a:p>
@@ -8778,13 +8821,13 @@
   <p:clrMapOvr>
     <a:masterClrMapping/>
   </p:clrMapOvr>
-  <mc:AlternateContent xmlns:mc="http://schemas.openxmlformats.org/markup-compatibility/2006">
-    <mc:Choice xmlns:p14="http://schemas.microsoft.com/office/powerpoint/2010/main" Requires="p14">
+  <mc:AlternateContent xmlns:mc="http://schemas.openxmlformats.org/markup-compatibility/2006" xmlns:p14="http://schemas.microsoft.com/office/powerpoint/2010/main">
+    <mc:Choice Requires="p14">
       <p:transition p14:dur="100">
         <p:cut/>
       </p:transition>
     </mc:Choice>
-    <mc:Fallback>
+    <mc:Fallback xmlns="">
       <p:transition xmlns:p14="http://schemas.microsoft.com/office/powerpoint/2010/main">
         <p:cut/>
       </p:transition>
@@ -8861,7 +8904,7 @@
             </a:r>
             <a:r>
               <a:rPr lang="en-US" dirty="0" err="1" smtClean="0"/>
-              <a:t>Djikstra</a:t>
+              <a:t>Dijkstra</a:t>
             </a:r>
             <a:endParaRPr lang="en-US" dirty="0" smtClean="0"/>
           </a:p>
@@ -8900,13 +8943,13 @@
   <p:clrMapOvr>
     <a:masterClrMapping/>
   </p:clrMapOvr>
-  <mc:AlternateContent xmlns:mc="http://schemas.openxmlformats.org/markup-compatibility/2006">
-    <mc:Choice xmlns:p14="http://schemas.microsoft.com/office/powerpoint/2010/main" Requires="p14">
+  <mc:AlternateContent xmlns:mc="http://schemas.openxmlformats.org/markup-compatibility/2006" xmlns:p14="http://schemas.microsoft.com/office/powerpoint/2010/main">
+    <mc:Choice Requires="p14">
       <p:transition spd="med">
         <p14:pan/>
       </p:transition>
     </mc:Choice>
-    <mc:Fallback>
+    <mc:Fallback xmlns="">
       <p:transition xmlns:p14="http://schemas.microsoft.com/office/powerpoint/2010/main" spd="med">
         <p:fade/>
       </p:transition>
@@ -8983,7 +9026,7 @@
             </a:r>
             <a:r>
               <a:rPr lang="en-US" dirty="0" err="1" smtClean="0"/>
-              <a:t>Djikstra</a:t>
+              <a:t>Dijkstra</a:t>
             </a:r>
             <a:endParaRPr lang="en-US" dirty="0" smtClean="0"/>
           </a:p>
@@ -9191,13 +9234,13 @@
   <p:clrMapOvr>
     <a:masterClrMapping/>
   </p:clrMapOvr>
-  <mc:AlternateContent xmlns:mc="http://schemas.openxmlformats.org/markup-compatibility/2006">
-    <mc:Choice xmlns:p14="http://schemas.microsoft.com/office/powerpoint/2010/main" Requires="p14">
+  <mc:AlternateContent xmlns:mc="http://schemas.openxmlformats.org/markup-compatibility/2006" xmlns:p14="http://schemas.microsoft.com/office/powerpoint/2010/main">
+    <mc:Choice Requires="p14">
       <p:transition p14:dur="100">
         <p:cut/>
       </p:transition>
     </mc:Choice>
-    <mc:Fallback>
+    <mc:Fallback xmlns="">
       <p:transition xmlns:p14="http://schemas.microsoft.com/office/powerpoint/2010/main">
         <p:cut/>
       </p:transition>
@@ -9274,7 +9317,7 @@
             </a:r>
             <a:r>
               <a:rPr lang="en-US" dirty="0" err="1" smtClean="0"/>
-              <a:t>Djikstra</a:t>
+              <a:t>Dijkstra</a:t>
             </a:r>
             <a:endParaRPr lang="en-US" dirty="0" smtClean="0"/>
           </a:p>
@@ -9297,7 +9340,7 @@
       </p:sp>
       <p:pic>
         <p:nvPicPr>
-          <p:cNvPr id="3" name="Content Placeholder 2" descr="case 1.png"/>
+          <p:cNvPr id="6" name="Espace réservé du contenu 5" descr="case 3.png"/>
           <p:cNvPicPr>
             <a:picLocks noGrp="1" noChangeAspect="1"/>
           </p:cNvPicPr>
@@ -9305,21 +9348,23 @@
             <p:ph sz="half" idx="1"/>
           </p:nvPr>
         </p:nvPicPr>
-        <p:blipFill rotWithShape="1">
-          <a:blip>
+        <p:blipFill>
+          <a:blip r:embed="rId2">
             <a:extLst>
               <a:ext uri="{28A0092B-C50C-407E-A947-70E740481C1C}">
                 <a14:useLocalDpi xmlns:a14="http://schemas.microsoft.com/office/drawing/2010/main" val="0"/>
               </a:ext>
             </a:extLst>
           </a:blip>
-          <a:srcRect l="23510" r="11021"/>
-          <a:stretch/>
+          <a:srcRect l="16538" r="16538"/>
+          <a:stretch>
+            <a:fillRect/>
+          </a:stretch>
         </p:blipFill>
         <p:spPr>
           <a:xfrm>
-            <a:off x="627102" y="1600200"/>
-            <a:ext cx="3950772" cy="4525963"/>
+            <a:off x="457200" y="1568840"/>
+            <a:ext cx="4038600" cy="4525963"/>
           </a:xfrm>
         </p:spPr>
       </p:pic>
@@ -9333,13 +9378,13 @@
   <p:clrMapOvr>
     <a:masterClrMapping/>
   </p:clrMapOvr>
-  <mc:AlternateContent xmlns:mc="http://schemas.openxmlformats.org/markup-compatibility/2006">
-    <mc:Choice xmlns:p14="http://schemas.microsoft.com/office/powerpoint/2010/main" Requires="p14">
+  <mc:AlternateContent xmlns:mc="http://schemas.openxmlformats.org/markup-compatibility/2006" xmlns:p14="http://schemas.microsoft.com/office/powerpoint/2010/main">
+    <mc:Choice Requires="p14">
       <p:transition p14:dur="100">
         <p:cut/>
       </p:transition>
     </mc:Choice>
-    <mc:Fallback>
+    <mc:Fallback xmlns="">
       <p:transition xmlns:p14="http://schemas.microsoft.com/office/powerpoint/2010/main">
         <p:cut/>
       </p:transition>
@@ -9416,7 +9461,7 @@
             </a:r>
             <a:r>
               <a:rPr lang="en-US" dirty="0" err="1" smtClean="0"/>
-              <a:t>Djikstra</a:t>
+              <a:t>Dijkstra</a:t>
             </a:r>
             <a:endParaRPr lang="en-US" dirty="0" smtClean="0"/>
           </a:p>
@@ -9853,13 +9898,13 @@
   <p:clrMapOvr>
     <a:masterClrMapping/>
   </p:clrMapOvr>
-  <mc:AlternateContent xmlns:mc="http://schemas.openxmlformats.org/markup-compatibility/2006">
-    <mc:Choice xmlns:p14="http://schemas.microsoft.com/office/powerpoint/2010/main" Requires="p14">
+  <mc:AlternateContent xmlns:mc="http://schemas.openxmlformats.org/markup-compatibility/2006" xmlns:p14="http://schemas.microsoft.com/office/powerpoint/2010/main">
+    <mc:Choice Requires="p14">
       <p:transition p14:dur="100">
         <p:cut/>
       </p:transition>
     </mc:Choice>
-    <mc:Fallback>
+    <mc:Fallback xmlns="">
       <p:transition xmlns:p14="http://schemas.microsoft.com/office/powerpoint/2010/main">
         <p:cut/>
       </p:transition>
